--- a/data-viz-03/src/complete-lecture.pptx
+++ b/data-viz-03/src/complete-lecture.pptx
@@ -5,7 +5,7 @@
     <p:sldMasterId id="2147483648" r:id="rId1"/>
   </p:sldMasterIdLst>
   <p:notesMasterIdLst>
-    <p:NotesMasterId r:id="rId14"/>
+    <p:NotesMasterId r:id="rId51"/>
   </p:notesMasterIdLst>
   <p:sldIdLst>
     <p:sldId id="256" r:id="rId2"/>
@@ -20,6 +20,43 @@
     <p:sldId id="265" r:id="rId11"/>
     <p:sldId id="266" r:id="rId12"/>
     <p:sldId id="267" r:id="rId13"/>
+    <p:sldId id="268" r:id="rId14"/>
+    <p:sldId id="269" r:id="rId15"/>
+    <p:sldId id="270" r:id="rId16"/>
+    <p:sldId id="271" r:id="rId17"/>
+    <p:sldId id="272" r:id="rId18"/>
+    <p:sldId id="273" r:id="rId19"/>
+    <p:sldId id="274" r:id="rId20"/>
+    <p:sldId id="275" r:id="rId21"/>
+    <p:sldId id="276" r:id="rId22"/>
+    <p:sldId id="277" r:id="rId23"/>
+    <p:sldId id="278" r:id="rId24"/>
+    <p:sldId id="279" r:id="rId25"/>
+    <p:sldId id="280" r:id="rId26"/>
+    <p:sldId id="281" r:id="rId27"/>
+    <p:sldId id="282" r:id="rId28"/>
+    <p:sldId id="283" r:id="rId29"/>
+    <p:sldId id="284" r:id="rId30"/>
+    <p:sldId id="285" r:id="rId31"/>
+    <p:sldId id="286" r:id="rId32"/>
+    <p:sldId id="287" r:id="rId33"/>
+    <p:sldId id="288" r:id="rId34"/>
+    <p:sldId id="289" r:id="rId35"/>
+    <p:sldId id="290" r:id="rId36"/>
+    <p:sldId id="291" r:id="rId37"/>
+    <p:sldId id="292" r:id="rId38"/>
+    <p:sldId id="293" r:id="rId39"/>
+    <p:sldId id="294" r:id="rId40"/>
+    <p:sldId id="295" r:id="rId41"/>
+    <p:sldId id="296" r:id="rId42"/>
+    <p:sldId id="297" r:id="rId43"/>
+    <p:sldId id="298" r:id="rId44"/>
+    <p:sldId id="299" r:id="rId45"/>
+    <p:sldId id="300" r:id="rId46"/>
+    <p:sldId id="301" r:id="rId47"/>
+    <p:sldId id="302" r:id="rId48"/>
+    <p:sldId id="303" r:id="rId49"/>
+    <p:sldId id="304" r:id="rId50"/>
   </p:sldIdLst>
   <p:sldSz cx="9144000" cy="6858000" type="screen4x3"/>
   <p:notesSz cx="6858000" cy="9144000"/>
@@ -892,7 +929,7 @@
           <a:p>
             <a:fld id="{18BDFEC3-8487-43E8-A154-7C12CBC1FFF2}" type="slidenum">
               <a:rPr lang="en-US"/>
-              <a:t>7</a:t>
+              <a:t>8</a:t>
             </a:fld>
             <a:endParaRPr lang="en-US"/>
           </a:p>
@@ -1138,7 +1175,7 @@
           <a:p>
             <a:fld id="{18BDFEC3-8487-43E8-A154-7C12CBC1FFF2}" type="slidenum">
               <a:rPr lang="en-US"/>
-              <a:t>8</a:t>
+              <a:t>9</a:t>
             </a:fld>
             <a:endParaRPr lang="en-US"/>
           </a:p>
@@ -1408,7 +1445,7 @@
           <a:p>
             <a:fld id="{18BDFEC3-8487-43E8-A154-7C12CBC1FFF2}" type="slidenum">
               <a:rPr lang="en-US"/>
-              <a:t>9</a:t>
+              <a:t>10</a:t>
             </a:fld>
             <a:endParaRPr lang="en-US"/>
           </a:p>
@@ -1722,7 +1759,1315 @@
           <a:p>
             <a:fld id="{18BDFEC3-8487-43E8-A154-7C12CBC1FFF2}" type="slidenum">
               <a:rPr lang="en-US"/>
-              <a:t>10</a:t>
+              <a:t>11</a:t>
+            </a:fld>
+            <a:endParaRPr lang="en-US"/>
+          </a:p>
+        </p:txBody>
+      </p:sp>
+    </p:spTree>
+  </p:cSld>
+</p:notes>
+</file>
+
+<file path=ppt/notesSlides/notesSlide5.xml><?xml version="1.0" encoding="utf-8"?>
+<p:notes xmlns:a="http://schemas.openxmlformats.org/drawingml/2006/main" xmlns:r="http://schemas.openxmlformats.org/officeDocument/2006/relationships" xmlns:p="http://schemas.openxmlformats.org/presentationml/2006/main">
+  <p:cSld>
+    <p:spTree>
+      <p:nvGrpSpPr>
+        <p:cNvPr id="1" name=""/>
+        <p:cNvGrpSpPr/>
+        <p:nvPr/>
+      </p:nvGrpSpPr>
+      <p:grpSpPr>
+        <a:xfrm>
+          <a:off x="0" y="0"/>
+          <a:ext cx="0" cy="0"/>
+          <a:chOff x="0" y="0"/>
+          <a:chExt cx="0" cy="0"/>
+        </a:xfrm>
+      </p:grpSpPr>
+      <p:sp>
+        <p:nvSpPr>
+          <p:cNvPr id="2" name="Slide Image Placeholder 1"/>
+          <p:cNvSpPr>
+            <a:spLocks noGrp="1" noRot="1" noChangeAspect="1"/>
+          </p:cNvSpPr>
+          <p:nvPr>
+            <p:ph type="sldImg"/>
+          </p:nvPr>
+        </p:nvSpPr>
+        <p:spPr/>
+      </p:sp>
+      <p:sp>
+        <p:nvSpPr>
+          <p:cNvPr id="3" name="Notes Placeholder 2"/>
+          <p:cNvSpPr>
+            <a:spLocks noGrp="1"/>
+          </p:cNvSpPr>
+          <p:nvPr>
+            <p:ph type="body" idx="1"/>
+          </p:nvPr>
+        </p:nvSpPr>
+        <p:spPr/>
+        <p:txBody>
+          <a:bodyPr/>
+          <a:lstStyle/>
+          <a:p>
+            <a:pPr lvl="0" marL="0" indent="0">
+              <a:buNone/>
+            </a:pPr>
+            <a:r>
+              <a:rPr/>
+              <a:t>The</a:t>
+            </a:r>
+            <a:r>
+              <a:rPr/>
+              <a:t> </a:t>
+            </a:r>
+            <a:r>
+              <a:rPr/>
+              <a:t>field</a:t>
+            </a:r>
+            <a:r>
+              <a:rPr/>
+              <a:t> </a:t>
+            </a:r>
+            <a:r>
+              <a:rPr/>
+              <a:t>of</a:t>
+            </a:r>
+            <a:r>
+              <a:rPr/>
+              <a:t> </a:t>
+            </a:r>
+            <a:r>
+              <a:rPr/>
+              <a:t>artistic</a:t>
+            </a:r>
+            <a:r>
+              <a:rPr/>
+              <a:t> </a:t>
+            </a:r>
+            <a:r>
+              <a:rPr/>
+              <a:t>design</a:t>
+            </a:r>
+            <a:r>
+              <a:rPr/>
+              <a:t> </a:t>
+            </a:r>
+            <a:r>
+              <a:rPr/>
+              <a:t>is</a:t>
+            </a:r>
+            <a:r>
+              <a:rPr/>
+              <a:t> </a:t>
+            </a:r>
+            <a:r>
+              <a:rPr/>
+              <a:t>more</a:t>
+            </a:r>
+            <a:r>
+              <a:rPr/>
+              <a:t> </a:t>
+            </a:r>
+            <a:r>
+              <a:rPr/>
+              <a:t>commonly</a:t>
+            </a:r>
+            <a:r>
+              <a:rPr/>
+              <a:t> </a:t>
+            </a:r>
+            <a:r>
+              <a:rPr/>
+              <a:t>called</a:t>
+            </a:r>
+            <a:r>
+              <a:rPr/>
+              <a:t> </a:t>
+            </a:r>
+            <a:r>
+              <a:rPr/>
+              <a:t>graphic</a:t>
+            </a:r>
+            <a:r>
+              <a:rPr/>
+              <a:t> </a:t>
+            </a:r>
+            <a:r>
+              <a:rPr/>
+              <a:t>design,</a:t>
+            </a:r>
+            <a:r>
+              <a:rPr/>
+              <a:t> </a:t>
+            </a:r>
+            <a:r>
+              <a:rPr/>
+              <a:t>but</a:t>
+            </a:r>
+            <a:r>
+              <a:rPr/>
+              <a:t> </a:t>
+            </a:r>
+            <a:r>
+              <a:rPr/>
+              <a:t>I</a:t>
+            </a:r>
+            <a:r>
+              <a:rPr/>
+              <a:t> </a:t>
+            </a:r>
+            <a:r>
+              <a:rPr/>
+              <a:t>use</a:t>
+            </a:r>
+            <a:r>
+              <a:rPr/>
+              <a:t> </a:t>
+            </a:r>
+            <a:r>
+              <a:rPr/>
+              <a:t>the</a:t>
+            </a:r>
+            <a:r>
+              <a:rPr/>
+              <a:t> </a:t>
+            </a:r>
+            <a:r>
+              <a:rPr/>
+              <a:t>former</a:t>
+            </a:r>
+            <a:r>
+              <a:rPr/>
+              <a:t> </a:t>
+            </a:r>
+            <a:r>
+              <a:rPr/>
+              <a:t>term</a:t>
+            </a:r>
+            <a:r>
+              <a:rPr/>
+              <a:t> </a:t>
+            </a:r>
+            <a:r>
+              <a:rPr/>
+              <a:t>to</a:t>
+            </a:r>
+            <a:r>
+              <a:rPr/>
+              <a:t> </a:t>
+            </a:r>
+            <a:r>
+              <a:rPr/>
+              <a:t>distinguish</a:t>
+            </a:r>
+            <a:r>
+              <a:rPr/>
+              <a:t> </a:t>
+            </a:r>
+            <a:r>
+              <a:rPr/>
+              <a:t>it</a:t>
+            </a:r>
+            <a:r>
+              <a:rPr/>
+              <a:t> </a:t>
+            </a:r>
+            <a:r>
+              <a:rPr/>
+              <a:t>from</a:t>
+            </a:r>
+            <a:r>
+              <a:rPr/>
+              <a:t> </a:t>
+            </a:r>
+            <a:r>
+              <a:rPr/>
+              <a:t>statistical</a:t>
+            </a:r>
+            <a:r>
+              <a:rPr/>
+              <a:t> </a:t>
+            </a:r>
+            <a:r>
+              <a:rPr/>
+              <a:t>graphics.</a:t>
+            </a:r>
+            <a:r>
+              <a:rPr/>
+              <a:t> </a:t>
+            </a:r>
+            <a:r>
+              <a:rPr/>
+              <a:t>Artistic</a:t>
+            </a:r>
+            <a:r>
+              <a:rPr/>
+              <a:t> </a:t>
+            </a:r>
+            <a:r>
+              <a:rPr/>
+              <a:t>design</a:t>
+            </a:r>
+            <a:r>
+              <a:rPr/>
+              <a:t> </a:t>
+            </a:r>
+            <a:r>
+              <a:rPr/>
+              <a:t>is</a:t>
+            </a:r>
+            <a:r>
+              <a:rPr/>
+              <a:t> </a:t>
+            </a:r>
+            <a:r>
+              <a:rPr/>
+              <a:t>the</a:t>
+            </a:r>
+            <a:r>
+              <a:rPr/>
+              <a:t> </a:t>
+            </a:r>
+            <a:r>
+              <a:rPr/>
+              <a:t>use</a:t>
+            </a:r>
+            <a:r>
+              <a:rPr/>
+              <a:t> </a:t>
+            </a:r>
+            <a:r>
+              <a:rPr/>
+              <a:t>of</a:t>
+            </a:r>
+            <a:r>
+              <a:rPr/>
+              <a:t> </a:t>
+            </a:r>
+            <a:r>
+              <a:rPr/>
+              <a:t>typography,</a:t>
+            </a:r>
+            <a:r>
+              <a:rPr/>
+              <a:t> </a:t>
+            </a:r>
+            <a:r>
+              <a:rPr/>
+              <a:t>photography,</a:t>
+            </a:r>
+            <a:r>
+              <a:rPr/>
+              <a:t> </a:t>
+            </a:r>
+            <a:r>
+              <a:rPr/>
+              <a:t>and</a:t>
+            </a:r>
+            <a:r>
+              <a:rPr/>
+              <a:t> </a:t>
+            </a:r>
+            <a:r>
+              <a:rPr/>
+              <a:t>illustration</a:t>
+            </a:r>
+            <a:r>
+              <a:rPr/>
+              <a:t> </a:t>
+            </a:r>
+            <a:r>
+              <a:rPr/>
+              <a:t>to</a:t>
+            </a:r>
+            <a:r>
+              <a:rPr/>
+              <a:t> </a:t>
+            </a:r>
+            <a:r>
+              <a:rPr/>
+              <a:t>effectively</a:t>
+            </a:r>
+            <a:r>
+              <a:rPr/>
+              <a:t> </a:t>
+            </a:r>
+            <a:r>
+              <a:rPr/>
+              <a:t>convey</a:t>
+            </a:r>
+            <a:r>
+              <a:rPr/>
+              <a:t> </a:t>
+            </a:r>
+            <a:r>
+              <a:rPr/>
+              <a:t>a</a:t>
+            </a:r>
+            <a:r>
+              <a:rPr/>
+              <a:t> </a:t>
+            </a:r>
+            <a:r>
+              <a:rPr/>
+              <a:t>message.</a:t>
+            </a:r>
+            <a:r>
+              <a:rPr/>
+              <a:t> </a:t>
+            </a:r>
+            <a:r>
+              <a:rPr/>
+              <a:t>Artistic</a:t>
+            </a:r>
+            <a:r>
+              <a:rPr/>
+              <a:t> </a:t>
+            </a:r>
+            <a:r>
+              <a:rPr/>
+              <a:t>designers</a:t>
+            </a:r>
+            <a:r>
+              <a:rPr/>
+              <a:t> </a:t>
+            </a:r>
+            <a:r>
+              <a:rPr/>
+              <a:t>work</a:t>
+            </a:r>
+            <a:r>
+              <a:rPr/>
+              <a:t> </a:t>
+            </a:r>
+            <a:r>
+              <a:rPr/>
+              <a:t>on</a:t>
+            </a:r>
+            <a:r>
+              <a:rPr/>
+              <a:t> </a:t>
+            </a:r>
+            <a:r>
+              <a:rPr/>
+              <a:t>commercial</a:t>
+            </a:r>
+            <a:r>
+              <a:rPr/>
+              <a:t> </a:t>
+            </a:r>
+            <a:r>
+              <a:rPr/>
+              <a:t>logos,</a:t>
+            </a:r>
+            <a:r>
+              <a:rPr/>
+              <a:t> </a:t>
+            </a:r>
+            <a:r>
+              <a:rPr/>
+              <a:t>magazines</a:t>
+            </a:r>
+            <a:r>
+              <a:rPr/>
+              <a:t> </a:t>
+            </a:r>
+            <a:r>
+              <a:rPr/>
+              <a:t>and</a:t>
+            </a:r>
+            <a:r>
+              <a:rPr/>
+              <a:t> </a:t>
+            </a:r>
+            <a:r>
+              <a:rPr/>
+              <a:t>brochure</a:t>
+            </a:r>
+            <a:r>
+              <a:rPr/>
+              <a:t> </a:t>
+            </a:r>
+            <a:r>
+              <a:rPr/>
+              <a:t>s,</a:t>
+            </a:r>
+            <a:r>
+              <a:rPr/>
+              <a:t> </a:t>
+            </a:r>
+            <a:r>
+              <a:rPr/>
+              <a:t>and</a:t>
+            </a:r>
+            <a:r>
+              <a:rPr/>
+              <a:t> </a:t>
+            </a:r>
+            <a:r>
+              <a:rPr/>
+              <a:t>product</a:t>
+            </a:r>
+            <a:r>
+              <a:rPr/>
+              <a:t> </a:t>
+            </a:r>
+            <a:r>
+              <a:rPr/>
+              <a:t>packaging.</a:t>
+            </a:r>
+          </a:p>
+        </p:txBody>
+      </p:sp>
+      <p:sp>
+        <p:nvSpPr>
+          <p:cNvPr id="4" name="Slide Number Placeholder 3"/>
+          <p:cNvSpPr>
+            <a:spLocks noGrp="1"/>
+          </p:cNvSpPr>
+          <p:nvPr>
+            <p:ph type="sldNum" sz="quarter" idx="10"/>
+          </p:nvPr>
+        </p:nvSpPr>
+        <p:spPr/>
+        <p:txBody>
+          <a:bodyPr/>
+          <a:lstStyle/>
+          <a:p>
+            <a:fld id="{18BDFEC3-8487-43E8-A154-7C12CBC1FFF2}" type="slidenum">
+              <a:rPr lang="en-US"/>
+              <a:t>13</a:t>
+            </a:fld>
+            <a:endParaRPr lang="en-US"/>
+          </a:p>
+        </p:txBody>
+      </p:sp>
+    </p:spTree>
+  </p:cSld>
+</p:notes>
+</file>
+
+<file path=ppt/notesSlides/notesSlide6.xml><?xml version="1.0" encoding="utf-8"?>
+<p:notes xmlns:a="http://schemas.openxmlformats.org/drawingml/2006/main" xmlns:r="http://schemas.openxmlformats.org/officeDocument/2006/relationships" xmlns:p="http://schemas.openxmlformats.org/presentationml/2006/main">
+  <p:cSld>
+    <p:spTree>
+      <p:nvGrpSpPr>
+        <p:cNvPr id="1" name=""/>
+        <p:cNvGrpSpPr/>
+        <p:nvPr/>
+      </p:nvGrpSpPr>
+      <p:grpSpPr>
+        <a:xfrm>
+          <a:off x="0" y="0"/>
+          <a:ext cx="0" cy="0"/>
+          <a:chOff x="0" y="0"/>
+          <a:chExt cx="0" cy="0"/>
+        </a:xfrm>
+      </p:grpSpPr>
+      <p:sp>
+        <p:nvSpPr>
+          <p:cNvPr id="2" name="Slide Image Placeholder 1"/>
+          <p:cNvSpPr>
+            <a:spLocks noGrp="1" noRot="1" noChangeAspect="1"/>
+          </p:cNvSpPr>
+          <p:nvPr>
+            <p:ph type="sldImg"/>
+          </p:nvPr>
+        </p:nvSpPr>
+        <p:spPr/>
+      </p:sp>
+      <p:sp>
+        <p:nvSpPr>
+          <p:cNvPr id="3" name="Notes Placeholder 2"/>
+          <p:cNvSpPr>
+            <a:spLocks noGrp="1"/>
+          </p:cNvSpPr>
+          <p:nvPr>
+            <p:ph type="body" idx="1"/>
+          </p:nvPr>
+        </p:nvSpPr>
+        <p:spPr/>
+        <p:txBody>
+          <a:bodyPr/>
+          <a:lstStyle/>
+          <a:p>
+            <a:pPr lvl="0" marL="0" indent="0">
+              <a:buNone/>
+            </a:pPr>
+            <a:r>
+              <a:rPr/>
+              <a:t>What</a:t>
+            </a:r>
+            <a:r>
+              <a:rPr/>
+              <a:t> </a:t>
+            </a:r>
+            <a:r>
+              <a:rPr/>
+              <a:t>you</a:t>
+            </a:r>
+            <a:r>
+              <a:rPr/>
+              <a:t> </a:t>
+            </a:r>
+            <a:r>
+              <a:rPr/>
+              <a:t>see</a:t>
+            </a:r>
+            <a:r>
+              <a:rPr/>
+              <a:t> </a:t>
+            </a:r>
+            <a:r>
+              <a:rPr/>
+              <a:t>in</a:t>
+            </a:r>
+            <a:r>
+              <a:rPr/>
+              <a:t> </a:t>
+            </a:r>
+            <a:r>
+              <a:rPr/>
+              <a:t>this</a:t>
+            </a:r>
+            <a:r>
+              <a:rPr/>
+              <a:t> </a:t>
+            </a:r>
+            <a:r>
+              <a:rPr/>
+              <a:t>graph</a:t>
+            </a:r>
+            <a:r>
+              <a:rPr/>
+              <a:t> </a:t>
+            </a:r>
+            <a:r>
+              <a:rPr/>
+              <a:t>is</a:t>
+            </a:r>
+            <a:r>
+              <a:rPr/>
+              <a:t> </a:t>
+            </a:r>
+            <a:r>
+              <a:rPr/>
+              <a:t>20</a:t>
+            </a:r>
+            <a:r>
+              <a:rPr/>
+              <a:t> </a:t>
+            </a:r>
+            <a:r>
+              <a:rPr/>
+              <a:t>individual</a:t>
+            </a:r>
+            <a:r>
+              <a:rPr/>
+              <a:t> </a:t>
+            </a:r>
+            <a:r>
+              <a:rPr/>
+              <a:t>points.</a:t>
+            </a:r>
+            <a:r>
+              <a:rPr/>
+              <a:t> </a:t>
+            </a:r>
+            <a:r>
+              <a:rPr/>
+              <a:t>When</a:t>
+            </a:r>
+            <a:r>
+              <a:rPr/>
+              <a:t> </a:t>
+            </a:r>
+            <a:r>
+              <a:rPr/>
+              <a:t>you</a:t>
+            </a:r>
+            <a:r>
+              <a:rPr/>
+              <a:t> </a:t>
+            </a:r>
+            <a:r>
+              <a:rPr/>
+              <a:t>design</a:t>
+            </a:r>
+            <a:r>
+              <a:rPr/>
+              <a:t> </a:t>
+            </a:r>
+            <a:r>
+              <a:rPr/>
+              <a:t>a</a:t>
+            </a:r>
+            <a:r>
+              <a:rPr/>
+              <a:t> </a:t>
+            </a:r>
+            <a:r>
+              <a:rPr/>
+              <a:t>graph,</a:t>
+            </a:r>
+            <a:r>
+              <a:rPr/>
+              <a:t> </a:t>
+            </a:r>
+            <a:r>
+              <a:rPr/>
+              <a:t>you</a:t>
+            </a:r>
+            <a:r>
+              <a:rPr/>
+              <a:t> </a:t>
+            </a:r>
+            <a:r>
+              <a:rPr/>
+              <a:t>want</a:t>
+            </a:r>
+            <a:r>
+              <a:rPr/>
+              <a:t> </a:t>
+            </a:r>
+            <a:r>
+              <a:rPr/>
+              <a:t>people</a:t>
+            </a:r>
+            <a:r>
+              <a:rPr/>
+              <a:t> </a:t>
+            </a:r>
+            <a:r>
+              <a:rPr/>
+              <a:t>to</a:t>
+            </a:r>
+            <a:r>
+              <a:rPr/>
+              <a:t> </a:t>
+            </a:r>
+            <a:r>
+              <a:rPr/>
+              <a:t>group</a:t>
+            </a:r>
+            <a:r>
+              <a:rPr/>
+              <a:t> </a:t>
+            </a:r>
+            <a:r>
+              <a:rPr/>
+              <a:t>things</a:t>
+            </a:r>
+            <a:r>
+              <a:rPr/>
+              <a:t> </a:t>
+            </a:r>
+            <a:r>
+              <a:rPr/>
+              <a:t>in</a:t>
+            </a:r>
+            <a:r>
+              <a:rPr/>
+              <a:t> </a:t>
+            </a:r>
+            <a:r>
+              <a:rPr/>
+              <a:t>a</a:t>
+            </a:r>
+            <a:r>
+              <a:rPr/>
+              <a:t> </a:t>
+            </a:r>
+            <a:r>
+              <a:rPr/>
+              <a:t>way</a:t>
+            </a:r>
+            <a:r>
+              <a:rPr/>
+              <a:t> </a:t>
+            </a:r>
+            <a:r>
+              <a:rPr/>
+              <a:t>to</a:t>
+            </a:r>
+            <a:r>
+              <a:rPr/>
+              <a:t> </a:t>
+            </a:r>
+            <a:r>
+              <a:rPr/>
+              <a:t>reveal</a:t>
+            </a:r>
+            <a:r>
+              <a:rPr/>
+              <a:t> </a:t>
+            </a:r>
+            <a:r>
+              <a:rPr/>
+              <a:t>patterns.</a:t>
+            </a:r>
+          </a:p>
+        </p:txBody>
+      </p:sp>
+      <p:sp>
+        <p:nvSpPr>
+          <p:cNvPr id="4" name="Slide Number Placeholder 3"/>
+          <p:cNvSpPr>
+            <a:spLocks noGrp="1"/>
+          </p:cNvSpPr>
+          <p:nvPr>
+            <p:ph type="sldNum" sz="quarter" idx="10"/>
+          </p:nvPr>
+        </p:nvSpPr>
+        <p:spPr/>
+        <p:txBody>
+          <a:bodyPr/>
+          <a:lstStyle/>
+          <a:p>
+            <a:fld id="{18BDFEC3-8487-43E8-A154-7C12CBC1FFF2}" type="slidenum">
+              <a:rPr lang="en-US"/>
+              <a:t>14</a:t>
+            </a:fld>
+            <a:endParaRPr lang="en-US"/>
+          </a:p>
+        </p:txBody>
+      </p:sp>
+    </p:spTree>
+  </p:cSld>
+</p:notes>
+</file>
+
+<file path=ppt/notesSlides/notesSlide7.xml><?xml version="1.0" encoding="utf-8"?>
+<p:notes xmlns:a="http://schemas.openxmlformats.org/drawingml/2006/main" xmlns:r="http://schemas.openxmlformats.org/officeDocument/2006/relationships" xmlns:p="http://schemas.openxmlformats.org/presentationml/2006/main">
+  <p:cSld>
+    <p:spTree>
+      <p:nvGrpSpPr>
+        <p:cNvPr id="1" name=""/>
+        <p:cNvGrpSpPr/>
+        <p:nvPr/>
+      </p:nvGrpSpPr>
+      <p:grpSpPr>
+        <a:xfrm>
+          <a:off x="0" y="0"/>
+          <a:ext cx="0" cy="0"/>
+          <a:chOff x="0" y="0"/>
+          <a:chExt cx="0" cy="0"/>
+        </a:xfrm>
+      </p:grpSpPr>
+      <p:sp>
+        <p:nvSpPr>
+          <p:cNvPr id="2" name="Slide Image Placeholder 1"/>
+          <p:cNvSpPr>
+            <a:spLocks noGrp="1" noRot="1" noChangeAspect="1"/>
+          </p:cNvSpPr>
+          <p:nvPr>
+            <p:ph type="sldImg"/>
+          </p:nvPr>
+        </p:nvSpPr>
+        <p:spPr/>
+      </p:sp>
+      <p:sp>
+        <p:nvSpPr>
+          <p:cNvPr id="3" name="Notes Placeholder 2"/>
+          <p:cNvSpPr>
+            <a:spLocks noGrp="1"/>
+          </p:cNvSpPr>
+          <p:nvPr>
+            <p:ph type="body" idx="1"/>
+          </p:nvPr>
+        </p:nvSpPr>
+        <p:spPr/>
+        <p:txBody>
+          <a:bodyPr/>
+          <a:lstStyle/>
+          <a:p>
+            <a:pPr lvl="0" marL="0" indent="0">
+              <a:buNone/>
+            </a:pPr>
+            <a:r>
+              <a:rPr/>
+              <a:t>A</a:t>
+            </a:r>
+            <a:r>
+              <a:rPr/>
+              <a:t> </a:t>
+            </a:r>
+            <a:r>
+              <a:rPr/>
+              <a:t>line</a:t>
+            </a:r>
+            <a:r>
+              <a:rPr/>
+              <a:t> </a:t>
+            </a:r>
+            <a:r>
+              <a:rPr/>
+              <a:t>could</a:t>
+            </a:r>
+            <a:r>
+              <a:rPr/>
+              <a:t> </a:t>
+            </a:r>
+            <a:r>
+              <a:rPr/>
+              <a:t>mean</a:t>
+            </a:r>
+            <a:r>
+              <a:rPr/>
+              <a:t> </a:t>
+            </a:r>
+            <a:r>
+              <a:rPr/>
+              <a:t>a</a:t>
+            </a:r>
+            <a:r>
+              <a:rPr/>
+              <a:t> </a:t>
+            </a:r>
+            <a:r>
+              <a:rPr/>
+              <a:t>straight</a:t>
+            </a:r>
+            <a:r>
+              <a:rPr/>
+              <a:t> </a:t>
+            </a:r>
+            <a:r>
+              <a:rPr/>
+              <a:t>line</a:t>
+            </a:r>
+            <a:r>
+              <a:rPr/>
+              <a:t> </a:t>
+            </a:r>
+            <a:r>
+              <a:rPr/>
+              <a:t>or</a:t>
+            </a:r>
+            <a:r>
+              <a:rPr/>
+              <a:t> </a:t>
+            </a:r>
+            <a:r>
+              <a:rPr/>
+              <a:t>a</a:t>
+            </a:r>
+            <a:r>
+              <a:rPr/>
+              <a:t> </a:t>
+            </a:r>
+            <a:r>
+              <a:rPr/>
+              <a:t>curved</a:t>
+            </a:r>
+            <a:r>
+              <a:rPr/>
+              <a:t> </a:t>
+            </a:r>
+            <a:r>
+              <a:rPr/>
+              <a:t>line,</a:t>
+            </a:r>
+            <a:r>
+              <a:rPr/>
+              <a:t> </a:t>
+            </a:r>
+            <a:r>
+              <a:rPr/>
+              <a:t>a</a:t>
+            </a:r>
+            <a:r>
+              <a:rPr/>
+              <a:t> </a:t>
+            </a:r>
+            <a:r>
+              <a:rPr/>
+              <a:t>single</a:t>
+            </a:r>
+            <a:r>
+              <a:rPr/>
+              <a:t> </a:t>
+            </a:r>
+            <a:r>
+              <a:rPr/>
+              <a:t>line</a:t>
+            </a:r>
+            <a:r>
+              <a:rPr/>
+              <a:t> </a:t>
+            </a:r>
+            <a:r>
+              <a:rPr/>
+              <a:t>segment,</a:t>
+            </a:r>
+            <a:r>
+              <a:rPr/>
+              <a:t> </a:t>
+            </a:r>
+            <a:r>
+              <a:rPr/>
+              <a:t>a</a:t>
+            </a:r>
+            <a:r>
+              <a:rPr/>
+              <a:t> </a:t>
+            </a:r>
+            <a:r>
+              <a:rPr/>
+              <a:t>connected</a:t>
+            </a:r>
+            <a:r>
+              <a:rPr/>
+              <a:t> </a:t>
+            </a:r>
+            <a:r>
+              <a:rPr/>
+              <a:t>series</a:t>
+            </a:r>
+            <a:r>
+              <a:rPr/>
+              <a:t> </a:t>
+            </a:r>
+            <a:r>
+              <a:rPr/>
+              <a:t>of</a:t>
+            </a:r>
+            <a:r>
+              <a:rPr/>
+              <a:t> </a:t>
+            </a:r>
+            <a:r>
+              <a:rPr/>
+              <a:t>line</a:t>
+            </a:r>
+            <a:r>
+              <a:rPr/>
+              <a:t> </a:t>
+            </a:r>
+            <a:r>
+              <a:rPr/>
+              <a:t>segments</a:t>
+            </a:r>
+            <a:r>
+              <a:rPr/>
+              <a:t> </a:t>
+            </a:r>
+            <a:r>
+              <a:rPr/>
+              <a:t>or</a:t>
+            </a:r>
+            <a:r>
+              <a:rPr/>
+              <a:t> </a:t>
+            </a:r>
+            <a:r>
+              <a:rPr/>
+              <a:t>a</a:t>
+            </a:r>
+            <a:r>
+              <a:rPr/>
+              <a:t> </a:t>
+            </a:r>
+            <a:r>
+              <a:rPr/>
+              <a:t>polygon.</a:t>
+            </a:r>
+            <a:r>
+              <a:rPr/>
+              <a:t> </a:t>
+            </a:r>
+            <a:r>
+              <a:rPr/>
+              <a:t>It’s</a:t>
+            </a:r>
+            <a:r>
+              <a:rPr/>
+              <a:t> </a:t>
+            </a:r>
+            <a:r>
+              <a:rPr/>
+              <a:t>a</a:t>
+            </a:r>
+            <a:r>
+              <a:rPr/>
+              <a:t> </a:t>
+            </a:r>
+            <a:r>
+              <a:rPr/>
+              <a:t>pretty</a:t>
+            </a:r>
+            <a:r>
+              <a:rPr/>
+              <a:t> </a:t>
+            </a:r>
+            <a:r>
+              <a:rPr/>
+              <a:t>complex</a:t>
+            </a:r>
+            <a:r>
+              <a:rPr/>
+              <a:t> </a:t>
+            </a:r>
+            <a:r>
+              <a:rPr/>
+              <a:t>thing,</a:t>
+            </a:r>
+            <a:r>
+              <a:rPr/>
+              <a:t> </a:t>
+            </a:r>
+            <a:r>
+              <a:rPr/>
+              <a:t>but</a:t>
+            </a:r>
+            <a:r>
+              <a:rPr/>
+              <a:t> </a:t>
+            </a:r>
+            <a:r>
+              <a:rPr/>
+              <a:t>generally</a:t>
+            </a:r>
+            <a:r>
+              <a:rPr/>
+              <a:t> </a:t>
+            </a:r>
+            <a:r>
+              <a:rPr/>
+              <a:t>a</a:t>
+            </a:r>
+            <a:r>
+              <a:rPr/>
+              <a:t> </a:t>
+            </a:r>
+            <a:r>
+              <a:rPr/>
+              <a:t>line</a:t>
+            </a:r>
+            <a:r>
+              <a:rPr/>
+              <a:t> </a:t>
+            </a:r>
+            <a:r>
+              <a:rPr/>
+              <a:t>represents</a:t>
+            </a:r>
+            <a:r>
+              <a:rPr/>
+              <a:t> </a:t>
+            </a:r>
+            <a:r>
+              <a:rPr/>
+              <a:t>a</a:t>
+            </a:r>
+            <a:r>
+              <a:rPr/>
+              <a:t> </a:t>
+            </a:r>
+            <a:r>
+              <a:rPr/>
+              <a:t>two</a:t>
+            </a:r>
+            <a:r>
+              <a:rPr/>
+              <a:t> </a:t>
+            </a:r>
+            <a:r>
+              <a:rPr/>
+              <a:t>dimensional</a:t>
+            </a:r>
+            <a:r>
+              <a:rPr/>
+              <a:t> </a:t>
+            </a:r>
+            <a:r>
+              <a:rPr/>
+              <a:t>relationship.</a:t>
+            </a:r>
+          </a:p>
+          <a:p>
+            <a:pPr lvl="0" marL="0" indent="0">
+              <a:buNone/>
+            </a:pPr>
+          </a:p>
+          <a:p>
+            <a:pPr lvl="0" marL="0" indent="0">
+              <a:buNone/>
+            </a:pPr>
+            <a:r>
+              <a:rPr/>
+              <a:t>You</a:t>
+            </a:r>
+            <a:r>
+              <a:rPr/>
+              <a:t> </a:t>
+            </a:r>
+            <a:r>
+              <a:rPr/>
+              <a:t>can</a:t>
+            </a:r>
+            <a:r>
+              <a:rPr/>
+              <a:t> </a:t>
+            </a:r>
+            <a:r>
+              <a:rPr/>
+              <a:t>vary</a:t>
+            </a:r>
+            <a:r>
+              <a:rPr/>
+              <a:t> </a:t>
+            </a:r>
+            <a:r>
+              <a:rPr/>
+              <a:t>the</a:t>
+            </a:r>
+            <a:r>
+              <a:rPr/>
+              <a:t> </a:t>
+            </a:r>
+            <a:r>
+              <a:rPr/>
+              <a:t>size,</a:t>
+            </a:r>
+            <a:r>
+              <a:rPr/>
+              <a:t> </a:t>
+            </a:r>
+            <a:r>
+              <a:rPr/>
+              <a:t>shape,</a:t>
+            </a:r>
+            <a:r>
+              <a:rPr/>
+              <a:t> </a:t>
+            </a:r>
+            <a:r>
+              <a:rPr/>
+              <a:t>and</a:t>
+            </a:r>
+            <a:r>
+              <a:rPr/>
+              <a:t> </a:t>
+            </a:r>
+            <a:r>
+              <a:rPr/>
+              <a:t>color</a:t>
+            </a:r>
+            <a:r>
+              <a:rPr/>
+              <a:t> </a:t>
+            </a:r>
+            <a:r>
+              <a:rPr/>
+              <a:t>of</a:t>
+            </a:r>
+            <a:r>
+              <a:rPr/>
+              <a:t> </a:t>
+            </a:r>
+            <a:r>
+              <a:rPr/>
+              <a:t>a</a:t>
+            </a:r>
+            <a:r>
+              <a:rPr/>
+              <a:t> </a:t>
+            </a:r>
+            <a:r>
+              <a:rPr/>
+              <a:t>line.</a:t>
+            </a:r>
+            <a:r>
+              <a:rPr/>
+              <a:t> </a:t>
+            </a:r>
+            <a:r>
+              <a:rPr/>
+              <a:t>Shape</a:t>
+            </a:r>
+            <a:r>
+              <a:rPr/>
+              <a:t> </a:t>
+            </a:r>
+            <a:r>
+              <a:rPr/>
+              <a:t>is</a:t>
+            </a:r>
+            <a:r>
+              <a:rPr/>
+              <a:t> </a:t>
+            </a:r>
+            <a:r>
+              <a:rPr/>
+              <a:t>not</a:t>
+            </a:r>
+            <a:r>
+              <a:rPr/>
+              <a:t> </a:t>
+            </a:r>
+            <a:r>
+              <a:rPr/>
+              <a:t>what</a:t>
+            </a:r>
+            <a:r>
+              <a:rPr/>
+              <a:t> </a:t>
+            </a:r>
+            <a:r>
+              <a:rPr/>
+              <a:t>you</a:t>
+            </a:r>
+            <a:r>
+              <a:rPr/>
+              <a:t> </a:t>
+            </a:r>
+            <a:r>
+              <a:rPr/>
+              <a:t>think</a:t>
+            </a:r>
+            <a:r>
+              <a:rPr/>
+              <a:t> </a:t>
+            </a:r>
+            <a:r>
+              <a:rPr/>
+              <a:t>it</a:t>
+            </a:r>
+            <a:r>
+              <a:rPr/>
+              <a:t> </a:t>
+            </a:r>
+            <a:r>
+              <a:rPr/>
+              <a:t>is.</a:t>
+            </a:r>
+          </a:p>
+        </p:txBody>
+      </p:sp>
+      <p:sp>
+        <p:nvSpPr>
+          <p:cNvPr id="4" name="Slide Number Placeholder 3"/>
+          <p:cNvSpPr>
+            <a:spLocks noGrp="1"/>
+          </p:cNvSpPr>
+          <p:nvPr>
+            <p:ph type="sldNum" sz="quarter" idx="10"/>
+          </p:nvPr>
+        </p:nvSpPr>
+        <p:spPr/>
+        <p:txBody>
+          <a:bodyPr/>
+          <a:lstStyle/>
+          <a:p>
+            <a:fld id="{18BDFEC3-8487-43E8-A154-7C12CBC1FFF2}" type="slidenum">
+              <a:rPr lang="en-US"/>
+              <a:t>23</a:t>
             </a:fld>
             <a:endParaRPr lang="en-US"/>
           </a:p>
@@ -4746,7 +6091,23 @@
             </a:pPr>
             <a:r>
               <a:rPr/>
-              <a:t>Data-viz=03</a:t>
+              <a:t>Data-viz-03,</a:t>
+            </a:r>
+            <a:r>
+              <a:rPr/>
+              <a:t> </a:t>
+            </a:r>
+            <a:r>
+              <a:rPr/>
+              <a:t>line</a:t>
+            </a:r>
+            <a:r>
+              <a:rPr/>
+              <a:t> </a:t>
+            </a:r>
+            <a:r>
+              <a:rPr/>
+              <a:t>graphs</a:t>
             </a:r>
           </a:p>
         </p:txBody>
@@ -4830,6 +6191,185 @@
 </file>
 
 <file path=ppt/slides/slide10.xml><?xml version="1.0" encoding="utf-8"?>
+<p:sld xmlns:a="http://schemas.openxmlformats.org/drawingml/2006/main" xmlns:r="http://schemas.openxmlformats.org/officeDocument/2006/relationships" xmlns:p="http://schemas.openxmlformats.org/presentationml/2006/main">
+  <p:cSld>
+    <p:spTree>
+      <p:nvGrpSpPr>
+        <p:cNvPr id="1" name=""/>
+        <p:cNvGrpSpPr/>
+        <p:nvPr/>
+      </p:nvGrpSpPr>
+      <p:grpSpPr>
+        <a:xfrm>
+          <a:off x="0" y="0"/>
+          <a:ext cx="0" cy="0"/>
+          <a:chOff x="0" y="0"/>
+          <a:chExt cx="0" cy="0"/>
+        </a:xfrm>
+      </p:grpSpPr>
+      <p:sp>
+        <p:nvSpPr>
+          <p:cNvPr id="2" name="Title 1"/>
+          <p:cNvSpPr>
+            <a:spLocks noGrp="1"/>
+          </p:cNvSpPr>
+          <p:nvPr>
+            <p:ph type="title"/>
+          </p:nvPr>
+        </p:nvSpPr>
+        <p:spPr/>
+        <p:txBody>
+          <a:bodyPr/>
+          <a:lstStyle/>
+          <a:p>
+            <a:pPr lvl="0" marL="0" indent="0">
+              <a:buNone/>
+            </a:pPr>
+            <a:r>
+              <a:rPr/>
+              <a:t>Graphs</a:t>
+            </a:r>
+            <a:r>
+              <a:rPr/>
+              <a:t> </a:t>
+            </a:r>
+            <a:r>
+              <a:rPr/>
+              <a:t>in</a:t>
+            </a:r>
+            <a:r>
+              <a:rPr/>
+              <a:t> </a:t>
+            </a:r>
+            <a:r>
+              <a:rPr/>
+              <a:t>the</a:t>
+            </a:r>
+            <a:r>
+              <a:rPr/>
+              <a:t> </a:t>
+            </a:r>
+            <a:r>
+              <a:rPr/>
+              <a:t>news,</a:t>
+            </a:r>
+            <a:r>
+              <a:rPr/>
+              <a:t> </a:t>
+            </a:r>
+            <a:r>
+              <a:rPr/>
+              <a:t>technology</a:t>
+            </a:r>
+            <a:r>
+              <a:rPr/>
+              <a:t> </a:t>
+            </a:r>
+            <a:r>
+              <a:rPr/>
+              <a:t>adaptation</a:t>
+            </a:r>
+          </a:p>
+        </p:txBody>
+      </p:sp>
+      <p:pic>
+        <p:nvPicPr>
+          <p:cNvPr descr="../images/external/technology-trends.png" id="0" name="Picture 1"/>
+          <p:cNvPicPr>
+            <a:picLocks noGrp="1" noChangeAspect="1"/>
+          </p:cNvPicPr>
+          <p:nvPr/>
+        </p:nvPicPr>
+        <p:blipFill>
+          <a:blip r:embed="rId3"/>
+          <a:stretch>
+            <a:fillRect/>
+          </a:stretch>
+        </p:blipFill>
+        <p:spPr bwMode="auto">
+          <a:xfrm>
+            <a:off x="1320800" y="1600200"/>
+            <a:ext cx="6502400" cy="4013200"/>
+          </a:xfrm>
+          <a:prstGeom prst="rect">
+            <a:avLst/>
+          </a:prstGeom>
+          <a:noFill/>
+          <a:ln w="9525">
+            <a:noFill/>
+            <a:headEnd/>
+            <a:tailEnd/>
+          </a:ln>
+        </p:spPr>
+      </p:pic>
+      <p:sp>
+        <p:nvSpPr>
+          <p:cNvPr id="1" name="TextBox 3"/>
+          <p:cNvSpPr txBox="1"/>
+          <p:nvPr/>
+        </p:nvSpPr>
+        <p:spPr>
+          <a:xfrm>
+            <a:off x="457200" y="5613400"/>
+            <a:ext cx="8229600" cy="508000"/>
+          </a:xfrm>
+          <a:prstGeom prst="rect">
+            <a:avLst/>
+          </a:prstGeom>
+          <a:noFill/>
+        </p:spPr>
+        <p:txBody>
+          <a:bodyPr/>
+          <a:lstStyle/>
+          <a:p>
+            <a:pPr lvl="0" marL="0" indent="0" algn="ctr">
+              <a:buNone/>
+            </a:pPr>
+            <a:r>
+              <a:rPr/>
+              <a:t>Line</a:t>
+            </a:r>
+            <a:r>
+              <a:rPr/>
+              <a:t> </a:t>
+            </a:r>
+            <a:r>
+              <a:rPr/>
+              <a:t>graph</a:t>
+            </a:r>
+            <a:r>
+              <a:rPr/>
+              <a:t> </a:t>
+            </a:r>
+            <a:r>
+              <a:rPr/>
+              <a:t>of</a:t>
+            </a:r>
+            <a:r>
+              <a:rPr/>
+              <a:t> </a:t>
+            </a:r>
+            <a:r>
+              <a:rPr/>
+              <a:t>technology</a:t>
+            </a:r>
+            <a:r>
+              <a:rPr/>
+              <a:t> </a:t>
+            </a:r>
+            <a:r>
+              <a:rPr/>
+              <a:t>trends</a:t>
+            </a:r>
+          </a:p>
+        </p:txBody>
+      </p:sp>
+    </p:spTree>
+  </p:cSld>
+</p:sld>
+</file>
+
+<file path=ppt/slides/slide11.xml><?xml version="1.0" encoding="utf-8"?>
 <p:sld xmlns:a="http://schemas.openxmlformats.org/drawingml/2006/main" xmlns:r="http://schemas.openxmlformats.org/officeDocument/2006/relationships" xmlns:p="http://schemas.openxmlformats.org/presentationml/2006/main">
   <p:cSld>
     <p:spTree>
@@ -5040,149 +6580,6 @@
 </p:sld>
 </file>
 
-<file path=ppt/slides/slide11.xml><?xml version="1.0" encoding="utf-8"?>
-<p:sld xmlns:a="http://schemas.openxmlformats.org/drawingml/2006/main" xmlns:r="http://schemas.openxmlformats.org/officeDocument/2006/relationships" xmlns:p="http://schemas.openxmlformats.org/presentationml/2006/main">
-  <p:cSld>
-    <p:spTree>
-      <p:nvGrpSpPr>
-        <p:cNvPr id="1" name=""/>
-        <p:cNvGrpSpPr/>
-        <p:nvPr/>
-      </p:nvGrpSpPr>
-      <p:grpSpPr>
-        <a:xfrm>
-          <a:off x="0" y="0"/>
-          <a:ext cx="0" cy="0"/>
-          <a:chOff x="0" y="0"/>
-          <a:chExt cx="0" cy="0"/>
-        </a:xfrm>
-      </p:grpSpPr>
-      <p:sp>
-        <p:nvSpPr>
-          <p:cNvPr id="2" name="Title 1"/>
-          <p:cNvSpPr>
-            <a:spLocks noGrp="1"/>
-          </p:cNvSpPr>
-          <p:nvPr>
-            <p:ph type="title"/>
-          </p:nvPr>
-        </p:nvSpPr>
-        <p:spPr/>
-        <p:txBody>
-          <a:bodyPr/>
-          <a:lstStyle/>
-          <a:p>
-            <a:pPr lvl="0" marL="0" indent="0">
-              <a:buNone/>
-            </a:pPr>
-            <a:r>
-              <a:rPr/>
-              <a:t>Summary</a:t>
-            </a:r>
-            <a:r>
-              <a:rPr/>
-              <a:t> </a:t>
-            </a:r>
-            <a:r>
-              <a:rPr/>
-              <a:t>(1</a:t>
-            </a:r>
-            <a:r>
-              <a:rPr/>
-              <a:t> </a:t>
-            </a:r>
-            <a:r>
-              <a:rPr/>
-              <a:t>of</a:t>
-            </a:r>
-            <a:r>
-              <a:rPr/>
-              <a:t> </a:t>
-            </a:r>
-            <a:r>
-              <a:rPr/>
-              <a:t>2)</a:t>
-            </a:r>
-          </a:p>
-        </p:txBody>
-      </p:sp>
-      <p:sp>
-        <p:nvSpPr>
-          <p:cNvPr id="3" name="Content Placeholder 2"/>
-          <p:cNvSpPr>
-            <a:spLocks noGrp="1"/>
-          </p:cNvSpPr>
-          <p:nvPr>
-            <p:ph idx="1"/>
-          </p:nvPr>
-        </p:nvSpPr>
-        <p:spPr/>
-        <p:txBody>
-          <a:bodyPr/>
-          <a:lstStyle/>
-          <a:p>
-            <a:pPr lvl="1"/>
-            <a:r>
-              <a:rPr/>
-              <a:t>Gestalt principles</a:t>
-            </a:r>
-          </a:p>
-          <a:p>
-            <a:pPr lvl="2"/>
-            <a:r>
-              <a:rPr/>
-              <a:t>((List here))</a:t>
-            </a:r>
-          </a:p>
-          <a:p>
-            <a:pPr lvl="1"/>
-            <a:r>
-              <a:rPr/>
-              <a:t>Aesthetics for lines</a:t>
-            </a:r>
-          </a:p>
-          <a:p>
-            <a:pPr lvl="2"/>
-            <a:r>
-              <a:rPr/>
-              <a:t>Size, Shape, Color</a:t>
-            </a:r>
-          </a:p>
-          <a:p>
-            <a:pPr lvl="1"/>
-            <a:r>
-              <a:rPr/>
-              <a:t>Lines as summary statistics</a:t>
-            </a:r>
-          </a:p>
-          <a:p>
-            <a:pPr lvl="2"/>
-            <a:r>
-              <a:rPr/>
-              <a:t>One number summary (mean, total, count, percent)</a:t>
-            </a:r>
-          </a:p>
-          <a:p>
-            <a:pPr lvl="2"/>
-            <a:r>
-              <a:rPr/>
-              <a:t>Two number summary (error bars)</a:t>
-            </a:r>
-          </a:p>
-          <a:p>
-            <a:pPr lvl="2"/>
-            <a:r>
-              <a:rPr/>
-              <a:t>Five number summary (boxplots)</a:t>
-            </a:r>
-          </a:p>
-        </p:txBody>
-      </p:sp>
-    </p:spTree>
-  </p:cSld>
-</p:sld>
-</file>
-
 <file path=ppt/slides/slide12.xml><?xml version="1.0" encoding="utf-8"?>
 <p:sld xmlns:a="http://schemas.openxmlformats.org/drawingml/2006/main" xmlns:r="http://schemas.openxmlformats.org/officeDocument/2006/relationships" xmlns:p="http://schemas.openxmlformats.org/presentationml/2006/main">
   <p:cSld>
@@ -5220,15 +6617,15 @@
             </a:pPr>
             <a:r>
               <a:rPr/>
-              <a:t>Summary</a:t>
-            </a:r>
-            <a:r>
-              <a:rPr/>
-              <a:t> </a:t>
-            </a:r>
-            <a:r>
-              <a:rPr/>
-              <a:t>(2</a:t>
+              <a:t>The</a:t>
+            </a:r>
+            <a:r>
+              <a:rPr/>
+              <a:t> </a:t>
+            </a:r>
+            <a:r>
+              <a:rPr/>
+              <a:t>gestalt</a:t>
             </a:r>
             <a:r>
               <a:rPr/>
@@ -5244,7 +6641,7 @@
             </a:r>
             <a:r>
               <a:rPr/>
-              <a:t>2)</a:t>
+              <a:t>graphics</a:t>
             </a:r>
           </a:p>
         </p:txBody>
@@ -5267,31 +6664,1832 @@
             <a:pPr lvl="1"/>
             <a:r>
               <a:rPr/>
-              <a:t>Trend lines (linear, logistic, spline)</a:t>
+              <a:t>These ideas drawn from the Bergen and Iverson workshop.</a:t>
             </a:r>
           </a:p>
           <a:p>
             <a:pPr lvl="1"/>
             <a:r>
               <a:rPr/>
-              <a:t>Helpful tips</a:t>
+              <a:t>Gestalt definition</a:t>
             </a:r>
           </a:p>
           <a:p>
             <a:pPr lvl="2"/>
             <a:r>
               <a:rPr/>
-              <a:t>((List here))</a:t>
-            </a:r>
-          </a:p>
-        </p:txBody>
-      </p:sp>
+              <a:t>“The whole is greater than the sum of the parts”</a:t>
+            </a:r>
+          </a:p>
+          <a:p>
+            <a:pPr lvl="1"/>
+            <a:r>
+              <a:rPr/>
+              <a:t>How do you draw someone’s eye to quickly make certain associations?</a:t>
+            </a:r>
+          </a:p>
+        </p:txBody>
+      </p:sp>
+    </p:spTree>
+  </p:cSld>
+</p:sld>
+</file>
+
+<file path=ppt/slides/slide13.xml><?xml version="1.0" encoding="utf-8"?>
+<p:sld xmlns:a="http://schemas.openxmlformats.org/drawingml/2006/main" xmlns:r="http://schemas.openxmlformats.org/officeDocument/2006/relationships" xmlns:p="http://schemas.openxmlformats.org/presentationml/2006/main">
+  <p:cSld>
+    <p:spTree>
+      <p:nvGrpSpPr>
+        <p:cNvPr id="1" name=""/>
+        <p:cNvGrpSpPr/>
+        <p:nvPr/>
+      </p:nvGrpSpPr>
+      <p:grpSpPr>
+        <a:xfrm>
+          <a:off x="0" y="0"/>
+          <a:ext cx="0" cy="0"/>
+          <a:chOff x="0" y="0"/>
+          <a:chExt cx="0" cy="0"/>
+        </a:xfrm>
+      </p:grpSpPr>
+      <p:sp>
+        <p:nvSpPr>
+          <p:cNvPr id="2" name="Title 1"/>
+          <p:cNvSpPr>
+            <a:spLocks noGrp="1"/>
+          </p:cNvSpPr>
+          <p:nvPr>
+            <p:ph type="title"/>
+          </p:nvPr>
+        </p:nvSpPr>
+        <p:spPr/>
+        <p:txBody>
+          <a:bodyPr/>
+          <a:lstStyle/>
+          <a:p>
+            <a:pPr lvl="0" marL="0" indent="0">
+              <a:buNone/>
+            </a:pPr>
+            <a:r>
+              <a:rPr/>
+              <a:t>Gestalt</a:t>
+            </a:r>
+            <a:r>
+              <a:rPr/>
+              <a:t> </a:t>
+            </a:r>
+            <a:r>
+              <a:rPr/>
+              <a:t>theory</a:t>
+            </a:r>
+            <a:r>
+              <a:rPr/>
+              <a:t> </a:t>
+            </a:r>
+            <a:r>
+              <a:rPr/>
+              <a:t>in</a:t>
+            </a:r>
+            <a:r>
+              <a:rPr/>
+              <a:t> </a:t>
+            </a:r>
+            <a:r>
+              <a:rPr/>
+              <a:t>artistic</a:t>
+            </a:r>
+            <a:r>
+              <a:rPr/>
+              <a:t> </a:t>
+            </a:r>
+            <a:r>
+              <a:rPr/>
+              <a:t>design</a:t>
+            </a:r>
+          </a:p>
+        </p:txBody>
+      </p:sp>
+      <p:sp>
+        <p:nvSpPr>
+          <p:cNvPr id="3" name="Content Placeholder 2"/>
+          <p:cNvSpPr>
+            <a:spLocks noGrp="1"/>
+          </p:cNvSpPr>
+          <p:nvPr>
+            <p:ph idx="1"/>
+          </p:nvPr>
+        </p:nvSpPr>
+        <p:spPr/>
+        <p:txBody>
+          <a:bodyPr/>
+          <a:lstStyle/>
+          <a:p>
+            <a:pPr lvl="1"/>
+            <a:r>
+              <a:rPr/>
+              <a:t>Many lesssons in effective artistic design</a:t>
+            </a:r>
+          </a:p>
+          <a:p>
+            <a:pPr lvl="2"/>
+            <a:r>
+              <a:rPr>
+                <a:hlinkClick r:id="rId3"/>
+              </a:rPr>
+              <a:t>The Gestalt Principles</a:t>
+            </a:r>
+            <a:r>
+              <a:rPr/>
+              <a:t> Spokane Falls Community College.</a:t>
+            </a:r>
+          </a:p>
+          <a:p>
+            <a:pPr lvl="2"/>
+            <a:r>
+              <a:rPr>
+                <a:hlinkClick r:id="rId4"/>
+              </a:rPr>
+              <a:t>Gestalt Theory</a:t>
+            </a:r>
+            <a:r>
+              <a:rPr/>
+              <a:t> Sophia.</a:t>
+            </a:r>
+          </a:p>
+          <a:p>
+            <a:pPr lvl="2"/>
+            <a:r>
+              <a:rPr>
+                <a:hlinkClick r:id="rId5"/>
+              </a:rPr>
+              <a:t>Gestalt Principles Applied to Design</a:t>
+            </a:r>
+            <a:r>
+              <a:rPr/>
+              <a:t> The Graybox blog, January 19, 2015.</a:t>
+            </a:r>
+          </a:p>
+          <a:p>
+            <a:pPr lvl="2"/>
+            <a:r>
+              <a:rPr>
+                <a:hlinkClick r:id="rId6"/>
+              </a:rPr>
+              <a:t>Gestalt Principles</a:t>
+            </a:r>
+            <a:r>
+              <a:rPr/>
+              <a:t> Interaction Design Foundation.</a:t>
+            </a:r>
+          </a:p>
+        </p:txBody>
+      </p:sp>
+    </p:spTree>
+  </p:cSld>
+</p:sld>
+</file>
+
+<file path=ppt/slides/slide14.xml><?xml version="1.0" encoding="utf-8"?>
+<p:sld xmlns:a="http://schemas.openxmlformats.org/drawingml/2006/main" xmlns:r="http://schemas.openxmlformats.org/officeDocument/2006/relationships" xmlns:p="http://schemas.openxmlformats.org/presentationml/2006/main">
+  <p:cSld>
+    <p:spTree>
+      <p:nvGrpSpPr>
+        <p:cNvPr id="1" name=""/>
+        <p:cNvGrpSpPr/>
+        <p:nvPr/>
+      </p:nvGrpSpPr>
+      <p:grpSpPr>
+        <a:xfrm>
+          <a:off x="0" y="0"/>
+          <a:ext cx="0" cy="0"/>
+          <a:chOff x="0" y="0"/>
+          <a:chExt cx="0" cy="0"/>
+        </a:xfrm>
+      </p:grpSpPr>
+      <p:sp>
+        <p:nvSpPr>
+          <p:cNvPr id="2" name="Title 1"/>
+          <p:cNvSpPr>
+            <a:spLocks noGrp="1"/>
+          </p:cNvSpPr>
+          <p:nvPr>
+            <p:ph type="title"/>
+          </p:nvPr>
+        </p:nvSpPr>
+        <p:spPr/>
+        <p:txBody>
+          <a:bodyPr/>
+          <a:lstStyle/>
+          <a:p>
+            <a:pPr lvl="0" marL="0" indent="0">
+              <a:buNone/>
+            </a:pPr>
+            <a:r>
+              <a:rPr/>
+              <a:t>A</a:t>
+            </a:r>
+            <a:r>
+              <a:rPr/>
+              <a:t> </a:t>
+            </a:r>
+            <a:r>
+              <a:rPr/>
+              <a:t>block</a:t>
+            </a:r>
+            <a:r>
+              <a:rPr/>
+              <a:t> </a:t>
+            </a:r>
+            <a:r>
+              <a:rPr/>
+              <a:t>of</a:t>
+            </a:r>
+            <a:r>
+              <a:rPr/>
+              <a:t> </a:t>
+            </a:r>
+            <a:r>
+              <a:rPr/>
+              <a:t>points</a:t>
+            </a:r>
+            <a:r>
+              <a:rPr/>
+              <a:t> </a:t>
+            </a:r>
+            <a:r>
+              <a:rPr/>
+              <a:t>-</a:t>
+            </a:r>
+            <a:r>
+              <a:rPr/>
+              <a:t> </a:t>
+            </a:r>
+            <a:r>
+              <a:rPr/>
+              <a:t>no</a:t>
+            </a:r>
+            <a:r>
+              <a:rPr/>
+              <a:t> </a:t>
+            </a:r>
+            <a:r>
+              <a:rPr/>
+              <a:t>emphasis</a:t>
+            </a:r>
+          </a:p>
+        </p:txBody>
+      </p:sp>
+      <p:pic>
+        <p:nvPicPr>
+          <p:cNvPr descr="../images/r/block-no-emphasis.png" id="0" name="Picture 1"/>
+          <p:cNvPicPr>
+            <a:picLocks noGrp="1" noChangeAspect="1"/>
+          </p:cNvPicPr>
+          <p:nvPr/>
+        </p:nvPicPr>
+        <p:blipFill>
+          <a:blip r:embed="rId3"/>
+          <a:stretch>
+            <a:fillRect/>
+          </a:stretch>
+        </p:blipFill>
+        <p:spPr bwMode="auto">
+          <a:xfrm>
+            <a:off x="2311400" y="1600200"/>
+            <a:ext cx="4521200" cy="4521200"/>
+          </a:xfrm>
+          <a:prstGeom prst="rect">
+            <a:avLst/>
+          </a:prstGeom>
+          <a:noFill/>
+          <a:ln w="9525">
+            <a:noFill/>
+            <a:headEnd/>
+            <a:tailEnd/>
+          </a:ln>
+        </p:spPr>
+      </p:pic>
+    </p:spTree>
+  </p:cSld>
+</p:sld>
+</file>
+
+<file path=ppt/slides/slide15.xml><?xml version="1.0" encoding="utf-8"?>
+<p:sld xmlns:a="http://schemas.openxmlformats.org/drawingml/2006/main" xmlns:r="http://schemas.openxmlformats.org/officeDocument/2006/relationships" xmlns:p="http://schemas.openxmlformats.org/presentationml/2006/main">
+  <p:cSld>
+    <p:spTree>
+      <p:nvGrpSpPr>
+        <p:cNvPr id="1" name=""/>
+        <p:cNvGrpSpPr/>
+        <p:nvPr/>
+      </p:nvGrpSpPr>
+      <p:grpSpPr>
+        <a:xfrm>
+          <a:off x="0" y="0"/>
+          <a:ext cx="0" cy="0"/>
+          <a:chOff x="0" y="0"/>
+          <a:chExt cx="0" cy="0"/>
+        </a:xfrm>
+      </p:grpSpPr>
+      <p:sp>
+        <p:nvSpPr>
+          <p:cNvPr id="2" name="Title 1"/>
+          <p:cNvSpPr>
+            <a:spLocks noGrp="1"/>
+          </p:cNvSpPr>
+          <p:nvPr>
+            <p:ph type="title"/>
+          </p:nvPr>
+        </p:nvSpPr>
+        <p:spPr/>
+        <p:txBody>
+          <a:bodyPr/>
+          <a:lstStyle/>
+          <a:p>
+            <a:pPr lvl="0" marL="0" indent="0">
+              <a:buNone/>
+            </a:pPr>
+            <a:r>
+              <a:rPr/>
+              <a:t>Color</a:t>
+            </a:r>
+            <a:r>
+              <a:rPr/>
+              <a:t> </a:t>
+            </a:r>
+            <a:r>
+              <a:rPr/>
+              <a:t>emphasizes</a:t>
+            </a:r>
+            <a:r>
+              <a:rPr/>
+              <a:t> </a:t>
+            </a:r>
+            <a:r>
+              <a:rPr/>
+              <a:t>rows</a:t>
+            </a:r>
+          </a:p>
+        </p:txBody>
+      </p:sp>
+      <p:pic>
+        <p:nvPicPr>
+          <p:cNvPr descr="../images/r/block-color.png" id="0" name="Picture 1"/>
+          <p:cNvPicPr>
+            <a:picLocks noGrp="1" noChangeAspect="1"/>
+          </p:cNvPicPr>
+          <p:nvPr/>
+        </p:nvPicPr>
+        <p:blipFill>
+          <a:blip r:embed="rId2"/>
+          <a:stretch>
+            <a:fillRect/>
+          </a:stretch>
+        </p:blipFill>
+        <p:spPr bwMode="auto">
+          <a:xfrm>
+            <a:off x="2311400" y="1600200"/>
+            <a:ext cx="4521200" cy="4521200"/>
+          </a:xfrm>
+          <a:prstGeom prst="rect">
+            <a:avLst/>
+          </a:prstGeom>
+          <a:noFill/>
+          <a:ln w="9525">
+            <a:noFill/>
+            <a:headEnd/>
+            <a:tailEnd/>
+          </a:ln>
+        </p:spPr>
+      </p:pic>
+    </p:spTree>
+  </p:cSld>
+</p:sld>
+</file>
+
+<file path=ppt/slides/slide16.xml><?xml version="1.0" encoding="utf-8"?>
+<p:sld xmlns:a="http://schemas.openxmlformats.org/drawingml/2006/main" xmlns:r="http://schemas.openxmlformats.org/officeDocument/2006/relationships" xmlns:p="http://schemas.openxmlformats.org/presentationml/2006/main">
+  <p:cSld>
+    <p:spTree>
+      <p:nvGrpSpPr>
+        <p:cNvPr id="1" name=""/>
+        <p:cNvGrpSpPr/>
+        <p:nvPr/>
+      </p:nvGrpSpPr>
+      <p:grpSpPr>
+        <a:xfrm>
+          <a:off x="0" y="0"/>
+          <a:ext cx="0" cy="0"/>
+          <a:chOff x="0" y="0"/>
+          <a:chExt cx="0" cy="0"/>
+        </a:xfrm>
+      </p:grpSpPr>
+      <p:sp>
+        <p:nvSpPr>
+          <p:cNvPr id="2" name="Title 1"/>
+          <p:cNvSpPr>
+            <a:spLocks noGrp="1"/>
+          </p:cNvSpPr>
+          <p:nvPr>
+            <p:ph type="title"/>
+          </p:nvPr>
+        </p:nvSpPr>
+        <p:spPr/>
+        <p:txBody>
+          <a:bodyPr/>
+          <a:lstStyle/>
+          <a:p>
+            <a:pPr lvl="0" marL="0" indent="0">
+              <a:buNone/>
+            </a:pPr>
+            <a:r>
+              <a:rPr/>
+              <a:t>Shape</a:t>
+            </a:r>
+            <a:r>
+              <a:rPr/>
+              <a:t> </a:t>
+            </a:r>
+            <a:r>
+              <a:rPr/>
+              <a:t>emphasizes</a:t>
+            </a:r>
+            <a:r>
+              <a:rPr/>
+              <a:t> </a:t>
+            </a:r>
+            <a:r>
+              <a:rPr/>
+              <a:t>columns</a:t>
+            </a:r>
+          </a:p>
+        </p:txBody>
+      </p:sp>
+      <p:pic>
+        <p:nvPicPr>
+          <p:cNvPr descr="../images/r/block-shape.png" id="0" name="Picture 1"/>
+          <p:cNvPicPr>
+            <a:picLocks noGrp="1" noChangeAspect="1"/>
+          </p:cNvPicPr>
+          <p:nvPr/>
+        </p:nvPicPr>
+        <p:blipFill>
+          <a:blip r:embed="rId2"/>
+          <a:stretch>
+            <a:fillRect/>
+          </a:stretch>
+        </p:blipFill>
+        <p:spPr bwMode="auto">
+          <a:xfrm>
+            <a:off x="2311400" y="1600200"/>
+            <a:ext cx="4521200" cy="4521200"/>
+          </a:xfrm>
+          <a:prstGeom prst="rect">
+            <a:avLst/>
+          </a:prstGeom>
+          <a:noFill/>
+          <a:ln w="9525">
+            <a:noFill/>
+            <a:headEnd/>
+            <a:tailEnd/>
+          </a:ln>
+        </p:spPr>
+      </p:pic>
+    </p:spTree>
+  </p:cSld>
+</p:sld>
+</file>
+
+<file path=ppt/slides/slide17.xml><?xml version="1.0" encoding="utf-8"?>
+<p:sld xmlns:a="http://schemas.openxmlformats.org/drawingml/2006/main" xmlns:r="http://schemas.openxmlformats.org/officeDocument/2006/relationships" xmlns:p="http://schemas.openxmlformats.org/presentationml/2006/main">
+  <p:cSld>
+    <p:spTree>
+      <p:nvGrpSpPr>
+        <p:cNvPr id="1" name=""/>
+        <p:cNvGrpSpPr/>
+        <p:nvPr/>
+      </p:nvGrpSpPr>
+      <p:grpSpPr>
+        <a:xfrm>
+          <a:off x="0" y="0"/>
+          <a:ext cx="0" cy="0"/>
+          <a:chOff x="0" y="0"/>
+          <a:chExt cx="0" cy="0"/>
+        </a:xfrm>
+      </p:grpSpPr>
+      <p:sp>
+        <p:nvSpPr>
+          <p:cNvPr id="2" name="Title 1"/>
+          <p:cNvSpPr>
+            <a:spLocks noGrp="1"/>
+          </p:cNvSpPr>
+          <p:nvPr>
+            <p:ph type="title"/>
+          </p:nvPr>
+        </p:nvSpPr>
+        <p:spPr/>
+        <p:txBody>
+          <a:bodyPr/>
+          <a:lstStyle/>
+          <a:p>
+            <a:pPr lvl="0" marL="0" indent="0">
+              <a:buNone/>
+            </a:pPr>
+            <a:r>
+              <a:rPr/>
+              <a:t>Double</a:t>
+            </a:r>
+            <a:r>
+              <a:rPr/>
+              <a:t> </a:t>
+            </a:r>
+            <a:r>
+              <a:rPr/>
+              <a:t>up</a:t>
+            </a:r>
+            <a:r>
+              <a:rPr/>
+              <a:t> </a:t>
+            </a:r>
+            <a:r>
+              <a:rPr/>
+              <a:t>for</a:t>
+            </a:r>
+            <a:r>
+              <a:rPr/>
+              <a:t> </a:t>
+            </a:r>
+            <a:r>
+              <a:rPr/>
+              <a:t>stronger</a:t>
+            </a:r>
+            <a:r>
+              <a:rPr/>
+              <a:t> </a:t>
+            </a:r>
+            <a:r>
+              <a:rPr/>
+              <a:t>emphasis</a:t>
+            </a:r>
+          </a:p>
+        </p:txBody>
+      </p:sp>
+      <p:pic>
+        <p:nvPicPr>
+          <p:cNvPr descr="../images/r/block-double-up.png" id="0" name="Picture 1"/>
+          <p:cNvPicPr>
+            <a:picLocks noGrp="1" noChangeAspect="1"/>
+          </p:cNvPicPr>
+          <p:nvPr/>
+        </p:nvPicPr>
+        <p:blipFill>
+          <a:blip r:embed="rId2"/>
+          <a:stretch>
+            <a:fillRect/>
+          </a:stretch>
+        </p:blipFill>
+        <p:spPr bwMode="auto">
+          <a:xfrm>
+            <a:off x="2311400" y="1600200"/>
+            <a:ext cx="4521200" cy="4521200"/>
+          </a:xfrm>
+          <a:prstGeom prst="rect">
+            <a:avLst/>
+          </a:prstGeom>
+          <a:noFill/>
+          <a:ln w="9525">
+            <a:noFill/>
+            <a:headEnd/>
+            <a:tailEnd/>
+          </a:ln>
+        </p:spPr>
+      </p:pic>
+    </p:spTree>
+  </p:cSld>
+</p:sld>
+</file>
+
+<file path=ppt/slides/slide18.xml><?xml version="1.0" encoding="utf-8"?>
+<p:sld xmlns:a="http://schemas.openxmlformats.org/drawingml/2006/main" xmlns:r="http://schemas.openxmlformats.org/officeDocument/2006/relationships" xmlns:p="http://schemas.openxmlformats.org/presentationml/2006/main">
+  <p:cSld>
+    <p:spTree>
+      <p:nvGrpSpPr>
+        <p:cNvPr id="1" name=""/>
+        <p:cNvGrpSpPr/>
+        <p:nvPr/>
+      </p:nvGrpSpPr>
+      <p:grpSpPr>
+        <a:xfrm>
+          <a:off x="0" y="0"/>
+          <a:ext cx="0" cy="0"/>
+          <a:chOff x="0" y="0"/>
+          <a:chExt cx="0" cy="0"/>
+        </a:xfrm>
+      </p:grpSpPr>
+      <p:sp>
+        <p:nvSpPr>
+          <p:cNvPr id="2" name="Title 1"/>
+          <p:cNvSpPr>
+            <a:spLocks noGrp="1"/>
+          </p:cNvSpPr>
+          <p:nvPr>
+            <p:ph type="title"/>
+          </p:nvPr>
+        </p:nvSpPr>
+        <p:spPr/>
+        <p:txBody>
+          <a:bodyPr/>
+          <a:lstStyle/>
+          <a:p>
+            <a:pPr lvl="0" marL="0" indent="0">
+              <a:buNone/>
+            </a:pPr>
+            <a:r>
+              <a:rPr/>
+              <a:t>Connectedness</a:t>
+            </a:r>
+            <a:r>
+              <a:rPr/>
+              <a:t> </a:t>
+            </a:r>
+            <a:r>
+              <a:rPr/>
+              <a:t>emphasizes</a:t>
+            </a:r>
+            <a:r>
+              <a:rPr/>
+              <a:t> </a:t>
+            </a:r>
+            <a:r>
+              <a:rPr/>
+              <a:t>rows</a:t>
+            </a:r>
+          </a:p>
+        </p:txBody>
+      </p:sp>
+      <p:pic>
+        <p:nvPicPr>
+          <p:cNvPr descr="../images/r/block-connectedness.png" id="0" name="Picture 1"/>
+          <p:cNvPicPr>
+            <a:picLocks noGrp="1" noChangeAspect="1"/>
+          </p:cNvPicPr>
+          <p:nvPr/>
+        </p:nvPicPr>
+        <p:blipFill>
+          <a:blip r:embed="rId2"/>
+          <a:stretch>
+            <a:fillRect/>
+          </a:stretch>
+        </p:blipFill>
+        <p:spPr bwMode="auto">
+          <a:xfrm>
+            <a:off x="2311400" y="1600200"/>
+            <a:ext cx="4521200" cy="4521200"/>
+          </a:xfrm>
+          <a:prstGeom prst="rect">
+            <a:avLst/>
+          </a:prstGeom>
+          <a:noFill/>
+          <a:ln w="9525">
+            <a:noFill/>
+            <a:headEnd/>
+            <a:tailEnd/>
+          </a:ln>
+        </p:spPr>
+      </p:pic>
+    </p:spTree>
+  </p:cSld>
+</p:sld>
+</file>
+
+<file path=ppt/slides/slide19.xml><?xml version="1.0" encoding="utf-8"?>
+<p:sld xmlns:a="http://schemas.openxmlformats.org/drawingml/2006/main" xmlns:r="http://schemas.openxmlformats.org/officeDocument/2006/relationships" xmlns:p="http://schemas.openxmlformats.org/presentationml/2006/main">
+  <p:cSld>
+    <p:spTree>
+      <p:nvGrpSpPr>
+        <p:cNvPr id="1" name=""/>
+        <p:cNvGrpSpPr/>
+        <p:nvPr/>
+      </p:nvGrpSpPr>
+      <p:grpSpPr>
+        <a:xfrm>
+          <a:off x="0" y="0"/>
+          <a:ext cx="0" cy="0"/>
+          <a:chOff x="0" y="0"/>
+          <a:chExt cx="0" cy="0"/>
+        </a:xfrm>
+      </p:grpSpPr>
+      <p:sp>
+        <p:nvSpPr>
+          <p:cNvPr id="2" name="Title 1"/>
+          <p:cNvSpPr>
+            <a:spLocks noGrp="1"/>
+          </p:cNvSpPr>
+          <p:nvPr>
+            <p:ph type="title"/>
+          </p:nvPr>
+        </p:nvSpPr>
+        <p:spPr/>
+        <p:txBody>
+          <a:bodyPr/>
+          <a:lstStyle/>
+          <a:p>
+            <a:pPr lvl="0" marL="0" indent="0">
+              <a:buNone/>
+            </a:pPr>
+            <a:r>
+              <a:rPr/>
+              <a:t>Proximity</a:t>
+            </a:r>
+            <a:r>
+              <a:rPr/>
+              <a:t> </a:t>
+            </a:r>
+            <a:r>
+              <a:rPr/>
+              <a:t>emphasize</a:t>
+            </a:r>
+            <a:r>
+              <a:rPr/>
+              <a:t> </a:t>
+            </a:r>
+            <a:r>
+              <a:rPr/>
+              <a:t>columns</a:t>
+            </a:r>
+          </a:p>
+        </p:txBody>
+      </p:sp>
+      <p:pic>
+        <p:nvPicPr>
+          <p:cNvPr descr="../images/r/block-proximity.png" id="0" name="Picture 1"/>
+          <p:cNvPicPr>
+            <a:picLocks noGrp="1" noChangeAspect="1"/>
+          </p:cNvPicPr>
+          <p:nvPr/>
+        </p:nvPicPr>
+        <p:blipFill>
+          <a:blip r:embed="rId2"/>
+          <a:stretch>
+            <a:fillRect/>
+          </a:stretch>
+        </p:blipFill>
+        <p:spPr bwMode="auto">
+          <a:xfrm>
+            <a:off x="2311400" y="1600200"/>
+            <a:ext cx="4521200" cy="4521200"/>
+          </a:xfrm>
+          <a:prstGeom prst="rect">
+            <a:avLst/>
+          </a:prstGeom>
+          <a:noFill/>
+          <a:ln w="9525">
+            <a:noFill/>
+            <a:headEnd/>
+            <a:tailEnd/>
+          </a:ln>
+        </p:spPr>
+      </p:pic>
     </p:spTree>
   </p:cSld>
 </p:sld>
 </file>
 
 <file path=ppt/slides/slide2.xml><?xml version="1.0" encoding="utf-8"?>
+<p:sld xmlns:a="http://schemas.openxmlformats.org/drawingml/2006/main" xmlns:r="http://schemas.openxmlformats.org/officeDocument/2006/relationships" xmlns:p="http://schemas.openxmlformats.org/presentationml/2006/main">
+  <p:cSld>
+    <p:spTree>
+      <p:nvGrpSpPr>
+        <p:cNvPr id="1" name=""/>
+        <p:cNvGrpSpPr/>
+        <p:nvPr/>
+      </p:nvGrpSpPr>
+      <p:grpSpPr>
+        <a:xfrm>
+          <a:off x="0" y="0"/>
+          <a:ext cx="0" cy="0"/>
+          <a:chOff x="0" y="0"/>
+          <a:chExt cx="0" cy="0"/>
+        </a:xfrm>
+      </p:grpSpPr>
+      <p:sp>
+        <p:nvSpPr>
+          <p:cNvPr id="3" name="Content Placeholder 2"/>
+          <p:cNvSpPr>
+            <a:spLocks noGrp="1"/>
+          </p:cNvSpPr>
+          <p:nvPr>
+            <p:ph idx="1"/>
+          </p:nvPr>
+        </p:nvSpPr>
+        <p:spPr/>
+        <p:txBody>
+          <a:bodyPr/>
+          <a:lstStyle/>
+          <a:p>
+            <a:pPr lvl="0" marL="1270000" indent="0">
+              <a:buNone/>
+            </a:pPr>
+            <a:r>
+              <a:rPr sz="1800">
+                <a:latin typeface="Courier"/>
+              </a:rPr>
+              <a:t>## `curl` package not installed, falling back to using `url()`</a:t>
+            </a:r>
+          </a:p>
+        </p:txBody>
+      </p:sp>
+    </p:spTree>
+  </p:cSld>
+</p:sld>
+</file>
+
+<file path=ppt/slides/slide20.xml><?xml version="1.0" encoding="utf-8"?>
+<p:sld xmlns:a="http://schemas.openxmlformats.org/drawingml/2006/main" xmlns:r="http://schemas.openxmlformats.org/officeDocument/2006/relationships" xmlns:p="http://schemas.openxmlformats.org/presentationml/2006/main">
+  <p:cSld>
+    <p:spTree>
+      <p:nvGrpSpPr>
+        <p:cNvPr id="1" name=""/>
+        <p:cNvGrpSpPr/>
+        <p:nvPr/>
+      </p:nvGrpSpPr>
+      <p:grpSpPr>
+        <a:xfrm>
+          <a:off x="0" y="0"/>
+          <a:ext cx="0" cy="0"/>
+          <a:chOff x="0" y="0"/>
+          <a:chExt cx="0" cy="0"/>
+        </a:xfrm>
+      </p:grpSpPr>
+      <p:sp>
+        <p:nvSpPr>
+          <p:cNvPr id="2" name="Title 1"/>
+          <p:cNvSpPr>
+            <a:spLocks noGrp="1"/>
+          </p:cNvSpPr>
+          <p:nvPr>
+            <p:ph type="title"/>
+          </p:nvPr>
+        </p:nvSpPr>
+        <p:spPr/>
+        <p:txBody>
+          <a:bodyPr/>
+          <a:lstStyle/>
+          <a:p>
+            <a:pPr lvl="0" marL="0" indent="0">
+              <a:buNone/>
+            </a:pPr>
+            <a:r>
+              <a:rPr/>
+              <a:t>Enclosure</a:t>
+            </a:r>
+            <a:r>
+              <a:rPr/>
+              <a:t> </a:t>
+            </a:r>
+            <a:r>
+              <a:rPr/>
+              <a:t>for</a:t>
+            </a:r>
+            <a:r>
+              <a:rPr/>
+              <a:t> </a:t>
+            </a:r>
+            <a:r>
+              <a:rPr/>
+              <a:t>emphasis,</a:t>
+            </a:r>
+            <a:r>
+              <a:rPr/>
+              <a:t> </a:t>
+            </a:r>
+            <a:r>
+              <a:rPr/>
+              <a:t>eight</a:t>
+            </a:r>
+            <a:r>
+              <a:rPr/>
+              <a:t> </a:t>
+            </a:r>
+            <a:r>
+              <a:rPr/>
+              <a:t>special</a:t>
+            </a:r>
+            <a:r>
+              <a:rPr/>
+              <a:t> </a:t>
+            </a:r>
+            <a:r>
+              <a:rPr/>
+              <a:t>points</a:t>
+            </a:r>
+          </a:p>
+        </p:txBody>
+      </p:sp>
+      <p:pic>
+        <p:nvPicPr>
+          <p:cNvPr descr="../images/r/block-enclosure.png" id="0" name="Picture 1"/>
+          <p:cNvPicPr>
+            <a:picLocks noGrp="1" noChangeAspect="1"/>
+          </p:cNvPicPr>
+          <p:nvPr/>
+        </p:nvPicPr>
+        <p:blipFill>
+          <a:blip r:embed="rId2"/>
+          <a:stretch>
+            <a:fillRect/>
+          </a:stretch>
+        </p:blipFill>
+        <p:spPr bwMode="auto">
+          <a:xfrm>
+            <a:off x="2311400" y="1600200"/>
+            <a:ext cx="4521200" cy="4521200"/>
+          </a:xfrm>
+          <a:prstGeom prst="rect">
+            <a:avLst/>
+          </a:prstGeom>
+          <a:noFill/>
+          <a:ln w="9525">
+            <a:noFill/>
+            <a:headEnd/>
+            <a:tailEnd/>
+          </a:ln>
+        </p:spPr>
+      </p:pic>
+    </p:spTree>
+  </p:cSld>
+</p:sld>
+</file>
+
+<file path=ppt/slides/slide21.xml><?xml version="1.0" encoding="utf-8"?>
+<p:sld xmlns:a="http://schemas.openxmlformats.org/drawingml/2006/main" xmlns:r="http://schemas.openxmlformats.org/officeDocument/2006/relationships" xmlns:p="http://schemas.openxmlformats.org/presentationml/2006/main">
+  <p:cSld>
+    <p:spTree>
+      <p:nvGrpSpPr>
+        <p:cNvPr id="1" name=""/>
+        <p:cNvGrpSpPr/>
+        <p:nvPr/>
+      </p:nvGrpSpPr>
+      <p:grpSpPr>
+        <a:xfrm>
+          <a:off x="0" y="0"/>
+          <a:ext cx="0" cy="0"/>
+          <a:chOff x="0" y="0"/>
+          <a:chExt cx="0" cy="0"/>
+        </a:xfrm>
+      </p:grpSpPr>
+      <p:sp>
+        <p:nvSpPr>
+          <p:cNvPr id="2" name="Title 1"/>
+          <p:cNvSpPr>
+            <a:spLocks noGrp="1"/>
+          </p:cNvSpPr>
+          <p:nvPr>
+            <p:ph type="title"/>
+          </p:nvPr>
+        </p:nvSpPr>
+        <p:spPr/>
+        <p:txBody>
+          <a:bodyPr/>
+          <a:lstStyle/>
+          <a:p>
+            <a:pPr lvl="0" marL="0" indent="0">
+              <a:buNone/>
+            </a:pPr>
+            <a:r>
+              <a:rPr/>
+              <a:t>Continuity</a:t>
+            </a:r>
+          </a:p>
+        </p:txBody>
+      </p:sp>
+      <p:sp>
+        <p:nvSpPr>
+          <p:cNvPr id="3" name="Content Placeholder 2"/>
+          <p:cNvSpPr>
+            <a:spLocks noGrp="1"/>
+          </p:cNvSpPr>
+          <p:nvPr>
+            <p:ph idx="1"/>
+          </p:nvPr>
+        </p:nvSpPr>
+        <p:spPr/>
+        <p:txBody>
+          <a:bodyPr/>
+          <a:lstStyle/>
+          <a:p>
+            <a:pPr lvl="0" marL="0" indent="0">
+              <a:buNone/>
+            </a:pPr>
+            <a:r>
+              <a:rPr/>
+              <a:t>((Show example of sloping text))</a:t>
+            </a:r>
+          </a:p>
+        </p:txBody>
+      </p:sp>
+    </p:spTree>
+  </p:cSld>
+</p:sld>
+</file>
+
+<file path=ppt/slides/slide22.xml><?xml version="1.0" encoding="utf-8"?>
+<p:sld xmlns:a="http://schemas.openxmlformats.org/drawingml/2006/main" xmlns:r="http://schemas.openxmlformats.org/officeDocument/2006/relationships" xmlns:p="http://schemas.openxmlformats.org/presentationml/2006/main">
+  <p:cSld>
+    <p:spTree>
+      <p:nvGrpSpPr>
+        <p:cNvPr id="1" name=""/>
+        <p:cNvGrpSpPr/>
+        <p:nvPr/>
+      </p:nvGrpSpPr>
+      <p:grpSpPr>
+        <a:xfrm>
+          <a:off x="0" y="0"/>
+          <a:ext cx="0" cy="0"/>
+          <a:chOff x="0" y="0"/>
+          <a:chExt cx="0" cy="0"/>
+        </a:xfrm>
+      </p:grpSpPr>
+      <p:sp>
+        <p:nvSpPr>
+          <p:cNvPr id="2" name="Title 1"/>
+          <p:cNvSpPr>
+            <a:spLocks noGrp="1"/>
+          </p:cNvSpPr>
+          <p:nvPr>
+            <p:ph type="title"/>
+          </p:nvPr>
+        </p:nvSpPr>
+        <p:spPr/>
+        <p:txBody>
+          <a:bodyPr/>
+          <a:lstStyle/>
+          <a:p>
+            <a:pPr lvl="0" marL="0" indent="0">
+              <a:buNone/>
+            </a:pPr>
+            <a:r>
+              <a:rPr/>
+              <a:t>Changing</a:t>
+            </a:r>
+            <a:r>
+              <a:rPr/>
+              <a:t> </a:t>
+            </a:r>
+            <a:r>
+              <a:rPr/>
+              <a:t>your</a:t>
+            </a:r>
+            <a:r>
+              <a:rPr/>
+              <a:t> </a:t>
+            </a:r>
+            <a:r>
+              <a:rPr/>
+              <a:t>emphasis</a:t>
+            </a:r>
+          </a:p>
+        </p:txBody>
+      </p:sp>
+      <p:sp>
+        <p:nvSpPr>
+          <p:cNvPr id="3" name="Content Placeholder 2"/>
+          <p:cNvSpPr>
+            <a:spLocks noGrp="1"/>
+          </p:cNvSpPr>
+          <p:nvPr>
+            <p:ph idx="1"/>
+          </p:nvPr>
+        </p:nvSpPr>
+        <p:spPr/>
+        <p:txBody>
+          <a:bodyPr/>
+          <a:lstStyle/>
+          <a:p>
+            <a:pPr lvl="0" marL="0" indent="0">
+              <a:buNone/>
+            </a:pPr>
+            <a:r>
+              <a:rPr/>
+              <a:t>((Recreate example from slides 47-50 of Bergen and Iverson))</a:t>
+            </a:r>
+          </a:p>
+        </p:txBody>
+      </p:sp>
+    </p:spTree>
+  </p:cSld>
+</p:sld>
+</file>
+
+<file path=ppt/slides/slide23.xml><?xml version="1.0" encoding="utf-8"?>
+<p:sld xmlns:a="http://schemas.openxmlformats.org/drawingml/2006/main" xmlns:r="http://schemas.openxmlformats.org/officeDocument/2006/relationships" xmlns:p="http://schemas.openxmlformats.org/presentationml/2006/main">
+  <p:cSld>
+    <p:spTree>
+      <p:nvGrpSpPr>
+        <p:cNvPr id="1" name=""/>
+        <p:cNvGrpSpPr/>
+        <p:nvPr/>
+      </p:nvGrpSpPr>
+      <p:grpSpPr>
+        <a:xfrm>
+          <a:off x="0" y="0"/>
+          <a:ext cx="0" cy="0"/>
+          <a:chOff x="0" y="0"/>
+          <a:chExt cx="0" cy="0"/>
+        </a:xfrm>
+      </p:grpSpPr>
+      <p:sp>
+        <p:nvSpPr>
+          <p:cNvPr id="2" name="Title 1"/>
+          <p:cNvSpPr>
+            <a:spLocks noGrp="1"/>
+          </p:cNvSpPr>
+          <p:nvPr>
+            <p:ph type="title"/>
+          </p:nvPr>
+        </p:nvSpPr>
+        <p:spPr/>
+        <p:txBody>
+          <a:bodyPr/>
+          <a:lstStyle/>
+          <a:p>
+            <a:pPr lvl="0" marL="0" indent="0">
+              <a:buNone/>
+            </a:pPr>
+            <a:r>
+              <a:rPr/>
+              <a:t>Aesthetics</a:t>
+            </a:r>
+            <a:r>
+              <a:rPr/>
+              <a:t> </a:t>
+            </a:r>
+            <a:r>
+              <a:rPr/>
+              <a:t>for</a:t>
+            </a:r>
+            <a:r>
+              <a:rPr/>
+              <a:t> </a:t>
+            </a:r>
+            <a:r>
+              <a:rPr/>
+              <a:t>lines</a:t>
+            </a:r>
+          </a:p>
+        </p:txBody>
+      </p:sp>
+      <p:sp>
+        <p:nvSpPr>
+          <p:cNvPr id="3" name="Content Placeholder 2"/>
+          <p:cNvSpPr>
+            <a:spLocks noGrp="1"/>
+          </p:cNvSpPr>
+          <p:nvPr>
+            <p:ph idx="1"/>
+          </p:nvPr>
+        </p:nvSpPr>
+        <p:spPr/>
+        <p:txBody>
+          <a:bodyPr/>
+          <a:lstStyle/>
+          <a:p>
+            <a:pPr lvl="1"/>
+            <a:r>
+              <a:rPr/>
+              <a:t>Location</a:t>
+            </a:r>
+          </a:p>
+          <a:p>
+            <a:pPr lvl="1"/>
+            <a:r>
+              <a:rPr/>
+              <a:t>Size</a:t>
+            </a:r>
+          </a:p>
+          <a:p>
+            <a:pPr lvl="1"/>
+            <a:r>
+              <a:rPr/>
+              <a:t>Shape (not what you think it is!)</a:t>
+            </a:r>
+          </a:p>
+          <a:p>
+            <a:pPr lvl="1"/>
+            <a:r>
+              <a:rPr/>
+              <a:t>Color</a:t>
+            </a:r>
+          </a:p>
+        </p:txBody>
+      </p:sp>
+    </p:spTree>
+  </p:cSld>
+</p:sld>
+</file>
+
+<file path=ppt/slides/slide24.xml><?xml version="1.0" encoding="utf-8"?>
+<p:sld xmlns:a="http://schemas.openxmlformats.org/drawingml/2006/main" xmlns:r="http://schemas.openxmlformats.org/officeDocument/2006/relationships" xmlns:p="http://schemas.openxmlformats.org/presentationml/2006/main">
+  <p:cSld>
+    <p:spTree>
+      <p:nvGrpSpPr>
+        <p:cNvPr id="1" name=""/>
+        <p:cNvGrpSpPr/>
+        <p:nvPr/>
+      </p:nvGrpSpPr>
+      <p:grpSpPr>
+        <a:xfrm>
+          <a:off x="0" y="0"/>
+          <a:ext cx="0" cy="0"/>
+          <a:chOff x="0" y="0"/>
+          <a:chExt cx="0" cy="0"/>
+        </a:xfrm>
+      </p:grpSpPr>
+      <p:sp>
+        <p:nvSpPr>
+          <p:cNvPr id="2" name="Title 1"/>
+          <p:cNvSpPr>
+            <a:spLocks noGrp="1"/>
+          </p:cNvSpPr>
+          <p:nvPr>
+            <p:ph type="title"/>
+          </p:nvPr>
+        </p:nvSpPr>
+        <p:spPr/>
+        <p:txBody>
+          <a:bodyPr/>
+          <a:lstStyle/>
+          <a:p>
+            <a:pPr lvl="0" marL="0" indent="0">
+              <a:buNone/>
+            </a:pPr>
+            <a:r>
+              <a:rPr/>
+              <a:t>Show</a:t>
+            </a:r>
+            <a:r>
+              <a:rPr/>
+              <a:t> </a:t>
+            </a:r>
+            <a:r>
+              <a:rPr/>
+              <a:t>different</a:t>
+            </a:r>
+            <a:r>
+              <a:rPr/>
+              <a:t> </a:t>
+            </a:r>
+            <a:r>
+              <a:rPr/>
+              <a:t>types</a:t>
+            </a:r>
+            <a:r>
+              <a:rPr/>
+              <a:t> </a:t>
+            </a:r>
+            <a:r>
+              <a:rPr/>
+              <a:t>and</a:t>
+            </a:r>
+            <a:r>
+              <a:rPr/>
+              <a:t> </a:t>
+            </a:r>
+            <a:r>
+              <a:rPr/>
+              <a:t>locations</a:t>
+            </a:r>
+            <a:r>
+              <a:rPr/>
+              <a:t> </a:t>
+            </a:r>
+            <a:r>
+              <a:rPr/>
+              <a:t>of</a:t>
+            </a:r>
+            <a:r>
+              <a:rPr/>
+              <a:t> </a:t>
+            </a:r>
+            <a:r>
+              <a:rPr/>
+              <a:t>lines</a:t>
+            </a:r>
+          </a:p>
+        </p:txBody>
+      </p:sp>
+      <p:sp>
+        <p:nvSpPr>
+          <p:cNvPr id="3" name="Content Placeholder 2"/>
+          <p:cNvSpPr>
+            <a:spLocks noGrp="1"/>
+          </p:cNvSpPr>
+          <p:nvPr>
+            <p:ph idx="1"/>
+          </p:nvPr>
+        </p:nvSpPr>
+        <p:spPr/>
+        <p:txBody>
+          <a:bodyPr/>
+          <a:lstStyle/>
+          <a:p>
+            <a:pPr lvl="0" marL="0" indent="0">
+              <a:buNone/>
+            </a:pPr>
+            <a:r>
+              <a:rPr/>
+              <a:t>((Show a curved line, a straight line, a line segment, a series of line segments, and a polygon.))</a:t>
+            </a:r>
+          </a:p>
+        </p:txBody>
+      </p:sp>
+    </p:spTree>
+  </p:cSld>
+</p:sld>
+</file>
+
+<file path=ppt/slides/slide25.xml><?xml version="1.0" encoding="utf-8"?>
+<p:sld xmlns:a="http://schemas.openxmlformats.org/drawingml/2006/main" xmlns:r="http://schemas.openxmlformats.org/officeDocument/2006/relationships" xmlns:p="http://schemas.openxmlformats.org/presentationml/2006/main">
+  <p:cSld>
+    <p:spTree>
+      <p:nvGrpSpPr>
+        <p:cNvPr id="1" name=""/>
+        <p:cNvGrpSpPr/>
+        <p:nvPr/>
+      </p:nvGrpSpPr>
+      <p:grpSpPr>
+        <a:xfrm>
+          <a:off x="0" y="0"/>
+          <a:ext cx="0" cy="0"/>
+          <a:chOff x="0" y="0"/>
+          <a:chExt cx="0" cy="0"/>
+        </a:xfrm>
+      </p:grpSpPr>
+      <p:sp>
+        <p:nvSpPr>
+          <p:cNvPr id="2" name="Title 1"/>
+          <p:cNvSpPr>
+            <a:spLocks noGrp="1"/>
+          </p:cNvSpPr>
+          <p:nvPr>
+            <p:ph type="title"/>
+          </p:nvPr>
+        </p:nvSpPr>
+        <p:spPr/>
+        <p:txBody>
+          <a:bodyPr/>
+          <a:lstStyle/>
+          <a:p>
+            <a:pPr lvl="0" marL="0" indent="0">
+              <a:buNone/>
+            </a:pPr>
+            <a:r>
+              <a:rPr/>
+              <a:t>Size</a:t>
+            </a:r>
+          </a:p>
+        </p:txBody>
+      </p:sp>
+      <p:pic>
+        <p:nvPicPr>
+          <p:cNvPr descr="../images/r/line-size.png" id="0" name="Picture 1"/>
+          <p:cNvPicPr>
+            <a:picLocks noGrp="1" noChangeAspect="1"/>
+          </p:cNvPicPr>
+          <p:nvPr/>
+        </p:nvPicPr>
+        <p:blipFill>
+          <a:blip r:embed="rId2"/>
+          <a:stretch>
+            <a:fillRect/>
+          </a:stretch>
+        </p:blipFill>
+        <p:spPr bwMode="auto">
+          <a:xfrm>
+            <a:off x="2311400" y="1600200"/>
+            <a:ext cx="4521200" cy="4521200"/>
+          </a:xfrm>
+          <a:prstGeom prst="rect">
+            <a:avLst/>
+          </a:prstGeom>
+          <a:noFill/>
+          <a:ln w="9525">
+            <a:noFill/>
+            <a:headEnd/>
+            <a:tailEnd/>
+          </a:ln>
+        </p:spPr>
+      </p:pic>
+    </p:spTree>
+  </p:cSld>
+</p:sld>
+</file>
+
+<file path=ppt/slides/slide26.xml><?xml version="1.0" encoding="utf-8"?>
+<p:sld xmlns:a="http://schemas.openxmlformats.org/drawingml/2006/main" xmlns:r="http://schemas.openxmlformats.org/officeDocument/2006/relationships" xmlns:p="http://schemas.openxmlformats.org/presentationml/2006/main">
+  <p:cSld>
+    <p:spTree>
+      <p:nvGrpSpPr>
+        <p:cNvPr id="1" name=""/>
+        <p:cNvGrpSpPr/>
+        <p:nvPr/>
+      </p:nvGrpSpPr>
+      <p:grpSpPr>
+        <a:xfrm>
+          <a:off x="0" y="0"/>
+          <a:ext cx="0" cy="0"/>
+          <a:chOff x="0" y="0"/>
+          <a:chExt cx="0" cy="0"/>
+        </a:xfrm>
+      </p:grpSpPr>
+      <p:sp>
+        <p:nvSpPr>
+          <p:cNvPr id="2" name="Title 1"/>
+          <p:cNvSpPr>
+            <a:spLocks noGrp="1"/>
+          </p:cNvSpPr>
+          <p:nvPr>
+            <p:ph type="title"/>
+          </p:nvPr>
+        </p:nvSpPr>
+        <p:spPr/>
+        <p:txBody>
+          <a:bodyPr/>
+          <a:lstStyle/>
+          <a:p>
+            <a:pPr lvl="0" marL="0" indent="0">
+              <a:buNone/>
+            </a:pPr>
+            <a:r>
+              <a:rPr/>
+              <a:t>Shape</a:t>
+            </a:r>
+          </a:p>
+        </p:txBody>
+      </p:sp>
+      <p:pic>
+        <p:nvPicPr>
+          <p:cNvPr descr="../images/r/line-shape.png" id="0" name="Picture 1"/>
+          <p:cNvPicPr>
+            <a:picLocks noGrp="1" noChangeAspect="1"/>
+          </p:cNvPicPr>
+          <p:nvPr/>
+        </p:nvPicPr>
+        <p:blipFill>
+          <a:blip r:embed="rId2"/>
+          <a:stretch>
+            <a:fillRect/>
+          </a:stretch>
+        </p:blipFill>
+        <p:spPr bwMode="auto">
+          <a:xfrm>
+            <a:off x="2311400" y="1600200"/>
+            <a:ext cx="4521200" cy="4521200"/>
+          </a:xfrm>
+          <a:prstGeom prst="rect">
+            <a:avLst/>
+          </a:prstGeom>
+          <a:noFill/>
+          <a:ln w="9525">
+            <a:noFill/>
+            <a:headEnd/>
+            <a:tailEnd/>
+          </a:ln>
+        </p:spPr>
+      </p:pic>
+    </p:spTree>
+  </p:cSld>
+</p:sld>
+</file>
+
+<file path=ppt/slides/slide27.xml><?xml version="1.0" encoding="utf-8"?>
+<p:sld xmlns:a="http://schemas.openxmlformats.org/drawingml/2006/main" xmlns:r="http://schemas.openxmlformats.org/officeDocument/2006/relationships" xmlns:p="http://schemas.openxmlformats.org/presentationml/2006/main">
+  <p:cSld>
+    <p:spTree>
+      <p:nvGrpSpPr>
+        <p:cNvPr id="1" name=""/>
+        <p:cNvGrpSpPr/>
+        <p:nvPr/>
+      </p:nvGrpSpPr>
+      <p:grpSpPr>
+        <a:xfrm>
+          <a:off x="0" y="0"/>
+          <a:ext cx="0" cy="0"/>
+          <a:chOff x="0" y="0"/>
+          <a:chExt cx="0" cy="0"/>
+        </a:xfrm>
+      </p:grpSpPr>
+      <p:sp>
+        <p:nvSpPr>
+          <p:cNvPr id="2" name="Title 1"/>
+          <p:cNvSpPr>
+            <a:spLocks noGrp="1"/>
+          </p:cNvSpPr>
+          <p:nvPr>
+            <p:ph type="title"/>
+          </p:nvPr>
+        </p:nvSpPr>
+        <p:spPr/>
+        <p:txBody>
+          <a:bodyPr/>
+          <a:lstStyle/>
+          <a:p>
+            <a:pPr lvl="0" marL="0" indent="0">
+              <a:buNone/>
+            </a:pPr>
+            <a:r>
+              <a:rPr/>
+              <a:t>On</a:t>
+            </a:r>
+            <a:r>
+              <a:rPr/>
+              <a:t> </a:t>
+            </a:r>
+            <a:r>
+              <a:rPr/>
+              <a:t>your</a:t>
+            </a:r>
+            <a:r>
+              <a:rPr/>
+              <a:t> </a:t>
+            </a:r>
+            <a:r>
+              <a:rPr/>
+              <a:t>own</a:t>
+            </a:r>
+          </a:p>
+        </p:txBody>
+      </p:sp>
+      <p:sp>
+        <p:nvSpPr>
+          <p:cNvPr id="3" name="Content Placeholder 2"/>
+          <p:cNvSpPr>
+            <a:spLocks noGrp="1"/>
+          </p:cNvSpPr>
+          <p:nvPr>
+            <p:ph idx="1"/>
+          </p:nvPr>
+        </p:nvSpPr>
+        <p:spPr/>
+        <p:txBody>
+          <a:bodyPr/>
+          <a:lstStyle/>
+          <a:p>
+            <a:pPr lvl="1"/>
+            <a:r>
+              <a:rPr/>
+              <a:t>change the line to a dashed line.</a:t>
+            </a:r>
+          </a:p>
+          <a:p>
+            <a:pPr lvl="1"/>
+            <a:r>
+              <a:rPr/>
+              <a:t>Make the width equal to 3</a:t>
+            </a:r>
+          </a:p>
+          <a:p>
+            <a:pPr lvl="1"/>
+            <a:r>
+              <a:rPr/>
+              <a:t>Make the color green</a:t>
+            </a:r>
+          </a:p>
+        </p:txBody>
+      </p:sp>
+    </p:spTree>
+  </p:cSld>
+</p:sld>
+</file>
+
+<file path=ppt/slides/slide28.xml><?xml version="1.0" encoding="utf-8"?>
+<p:sld xmlns:a="http://schemas.openxmlformats.org/drawingml/2006/main" xmlns:r="http://schemas.openxmlformats.org/officeDocument/2006/relationships" xmlns:p="http://schemas.openxmlformats.org/presentationml/2006/main">
+  <p:cSld>
+    <p:spTree>
+      <p:nvGrpSpPr>
+        <p:cNvPr id="1" name=""/>
+        <p:cNvGrpSpPr/>
+        <p:nvPr/>
+      </p:nvGrpSpPr>
+      <p:grpSpPr>
+        <a:xfrm>
+          <a:off x="0" y="0"/>
+          <a:ext cx="0" cy="0"/>
+          <a:chOff x="0" y="0"/>
+          <a:chExt cx="0" cy="0"/>
+        </a:xfrm>
+      </p:grpSpPr>
+      <p:sp>
+        <p:nvSpPr>
+          <p:cNvPr id="2" name="Title 1"/>
+          <p:cNvSpPr>
+            <a:spLocks noGrp="1"/>
+          </p:cNvSpPr>
+          <p:nvPr>
+            <p:ph type="title"/>
+          </p:nvPr>
+        </p:nvSpPr>
+        <p:spPr/>
+        <p:txBody>
+          <a:bodyPr/>
+          <a:lstStyle/>
+          <a:p>
+            <a:pPr lvl="0" marL="0" indent="0">
+              <a:buNone/>
+            </a:pPr>
+            <a:r>
+              <a:rPr/>
+              <a:t>Wait</a:t>
+            </a:r>
+            <a:r>
+              <a:rPr/>
+              <a:t> </a:t>
+            </a:r>
+            <a:r>
+              <a:rPr/>
+              <a:t>before</a:t>
+            </a:r>
+            <a:r>
+              <a:rPr/>
+              <a:t> </a:t>
+            </a:r>
+            <a:r>
+              <a:rPr/>
+              <a:t>showing</a:t>
+            </a:r>
+          </a:p>
+        </p:txBody>
+      </p:sp>
+      <p:sp>
+        <p:nvSpPr>
+          <p:cNvPr id="3" name="Content Placeholder 2"/>
+          <p:cNvSpPr>
+            <a:spLocks noGrp="1"/>
+          </p:cNvSpPr>
+          <p:nvPr>
+            <p:ph idx="1"/>
+          </p:nvPr>
+        </p:nvSpPr>
+        <p:spPr/>
+        <p:txBody>
+          <a:bodyPr/>
+          <a:lstStyle/>
+          <a:p>
+            <a:pPr lvl="0" marL="0" indent="0">
+              <a:buNone/>
+            </a:pPr>
+            <a:r>
+              <a:rPr/>
+              <a:t>((Python code))</a:t>
+            </a:r>
+          </a:p>
+          <a:p>
+            <a:pPr lvl="0" marL="1270000" indent="0">
+              <a:buNone/>
+            </a:pPr>
+            <a:r>
+              <a:rPr sz="1800">
+                <a:latin typeface="Courier"/>
+              </a:rPr>
+              <a:t># R code
+ggplot(cpi, aes(x=t, y=CPI)) +
+  geom_line(size=3, linetype="dashed", color="green")</a:t>
+            </a:r>
+          </a:p>
+          <a:p>
+            <a:pPr lvl="0" marL="0" indent="0">
+              <a:buNone/>
+            </a:pPr>
+            <a:r>
+              <a:rPr/>
+              <a:t>((Tableau steps))</a:t>
+            </a:r>
+          </a:p>
+        </p:txBody>
+      </p:sp>
+    </p:spTree>
+  </p:cSld>
+</p:sld>
+</file>
+
+<file path=ppt/slides/slide29.xml><?xml version="1.0" encoding="utf-8"?>
+<p:sld xmlns:a="http://schemas.openxmlformats.org/drawingml/2006/main" xmlns:r="http://schemas.openxmlformats.org/officeDocument/2006/relationships" xmlns:p="http://schemas.openxmlformats.org/presentationml/2006/main">
+  <p:cSld>
+    <p:spTree>
+      <p:nvGrpSpPr>
+        <p:cNvPr id="1" name=""/>
+        <p:cNvGrpSpPr/>
+        <p:nvPr/>
+      </p:nvGrpSpPr>
+      <p:grpSpPr>
+        <a:xfrm>
+          <a:off x="0" y="0"/>
+          <a:ext cx="0" cy="0"/>
+          <a:chOff x="0" y="0"/>
+          <a:chExt cx="0" cy="0"/>
+        </a:xfrm>
+      </p:grpSpPr>
+      <p:sp>
+        <p:nvSpPr>
+          <p:cNvPr id="2" name="Title 1"/>
+          <p:cNvSpPr>
+            <a:spLocks noGrp="1"/>
+          </p:cNvSpPr>
+          <p:nvPr>
+            <p:ph type="title"/>
+          </p:nvPr>
+        </p:nvSpPr>
+        <p:spPr/>
+        <p:txBody>
+          <a:bodyPr/>
+          <a:lstStyle/>
+          <a:p>
+            <a:pPr lvl="0" marL="0" indent="0">
+              <a:buNone/>
+            </a:pPr>
+            <a:r>
+              <a:rPr/>
+              <a:t>What</a:t>
+            </a:r>
+            <a:r>
+              <a:rPr/>
+              <a:t> </a:t>
+            </a:r>
+            <a:r>
+              <a:rPr/>
+              <a:t>your</a:t>
+            </a:r>
+            <a:r>
+              <a:rPr/>
+              <a:t> </a:t>
+            </a:r>
+            <a:r>
+              <a:rPr/>
+              <a:t>visualization</a:t>
+            </a:r>
+            <a:r>
+              <a:rPr/>
+              <a:t> </a:t>
+            </a:r>
+            <a:r>
+              <a:rPr/>
+              <a:t>might</a:t>
+            </a:r>
+            <a:r>
+              <a:rPr/>
+              <a:t> </a:t>
+            </a:r>
+            <a:r>
+              <a:rPr/>
+              <a:t>look</a:t>
+            </a:r>
+            <a:r>
+              <a:rPr/>
+              <a:t> </a:t>
+            </a:r>
+            <a:r>
+              <a:rPr/>
+              <a:t>like</a:t>
+            </a:r>
+          </a:p>
+        </p:txBody>
+      </p:sp>
+      <p:pic>
+        <p:nvPicPr>
+          <p:cNvPr descr="../images/r/width-shape-color.png" id="0" name="Picture 1"/>
+          <p:cNvPicPr>
+            <a:picLocks noGrp="1" noChangeAspect="1"/>
+          </p:cNvPicPr>
+          <p:nvPr/>
+        </p:nvPicPr>
+        <p:blipFill>
+          <a:blip r:embed="rId2"/>
+          <a:stretch>
+            <a:fillRect/>
+          </a:stretch>
+        </p:blipFill>
+        <p:spPr bwMode="auto">
+          <a:xfrm>
+            <a:off x="2311400" y="1600200"/>
+            <a:ext cx="4521200" cy="4521200"/>
+          </a:xfrm>
+          <a:prstGeom prst="rect">
+            <a:avLst/>
+          </a:prstGeom>
+          <a:noFill/>
+          <a:ln w="9525">
+            <a:noFill/>
+            <a:headEnd/>
+            <a:tailEnd/>
+          </a:ln>
+        </p:spPr>
+      </p:pic>
+    </p:spTree>
+  </p:cSld>
+</p:sld>
+</file>
+
+<file path=ppt/slides/slide3.xml><?xml version="1.0" encoding="utf-8"?>
 <p:sld xmlns:a="http://schemas.openxmlformats.org/drawingml/2006/main" xmlns:r="http://schemas.openxmlformats.org/officeDocument/2006/relationships" xmlns:p="http://schemas.openxmlformats.org/presentationml/2006/main">
   <p:cSld>
     <p:spTree>
@@ -5494,7 +8692,7 @@
 </p:sld>
 </file>
 
-<file path=ppt/slides/slide3.xml><?xml version="1.0" encoding="utf-8"?>
+<file path=ppt/slides/slide30.xml><?xml version="1.0" encoding="utf-8"?>
 <p:sld xmlns:a="http://schemas.openxmlformats.org/drawingml/2006/main" xmlns:r="http://schemas.openxmlformats.org/officeDocument/2006/relationships" xmlns:p="http://schemas.openxmlformats.org/presentationml/2006/main">
   <p:cSld>
     <p:spTree>
@@ -5531,39 +8729,310 @@
             </a:pPr>
             <a:r>
               <a:rPr/>
-              <a:t>To</a:t>
-            </a:r>
-            <a:r>
-              <a:rPr/>
-              <a:t> </a:t>
-            </a:r>
-            <a:r>
-              <a:rPr/>
-              <a:t>prepare</a:t>
-            </a:r>
-            <a:r>
-              <a:rPr/>
-              <a:t> </a:t>
-            </a:r>
-            <a:r>
-              <a:rPr/>
-              <a:t>for</a:t>
-            </a:r>
-            <a:r>
-              <a:rPr/>
-              <a:t> </a:t>
-            </a:r>
-            <a:r>
-              <a:rPr/>
-              <a:t>this</a:t>
-            </a:r>
-            <a:r>
-              <a:rPr/>
-              <a:t> </a:t>
-            </a:r>
-            <a:r>
-              <a:rPr/>
-              <a:t>section</a:t>
+              <a:t>Lines</a:t>
+            </a:r>
+            <a:r>
+              <a:rPr/>
+              <a:t> </a:t>
+            </a:r>
+            <a:r>
+              <a:rPr/>
+              <a:t>as</a:t>
+            </a:r>
+            <a:r>
+              <a:rPr/>
+              <a:t> </a:t>
+            </a:r>
+            <a:r>
+              <a:rPr/>
+              <a:t>summary</a:t>
+            </a:r>
+            <a:r>
+              <a:rPr/>
+              <a:t> </a:t>
+            </a:r>
+            <a:r>
+              <a:rPr/>
+              <a:t>statistics</a:t>
+            </a:r>
+          </a:p>
+        </p:txBody>
+      </p:sp>
+      <p:pic>
+        <p:nvPicPr>
+          <p:cNvPr descr="../images/r/old-friend.png" id="0" name="Picture 1"/>
+          <p:cNvPicPr>
+            <a:picLocks noGrp="1" noChangeAspect="1"/>
+          </p:cNvPicPr>
+          <p:nvPr/>
+        </p:nvPicPr>
+        <p:blipFill>
+          <a:blip r:embed="rId2"/>
+          <a:stretch>
+            <a:fillRect/>
+          </a:stretch>
+        </p:blipFill>
+        <p:spPr bwMode="auto">
+          <a:xfrm>
+            <a:off x="2311400" y="1600200"/>
+            <a:ext cx="4521200" cy="4521200"/>
+          </a:xfrm>
+          <a:prstGeom prst="rect">
+            <a:avLst/>
+          </a:prstGeom>
+          <a:noFill/>
+          <a:ln w="9525">
+            <a:noFill/>
+            <a:headEnd/>
+            <a:tailEnd/>
+          </a:ln>
+        </p:spPr>
+      </p:pic>
+    </p:spTree>
+  </p:cSld>
+</p:sld>
+</file>
+
+<file path=ppt/slides/slide31.xml><?xml version="1.0" encoding="utf-8"?>
+<p:sld xmlns:a="http://schemas.openxmlformats.org/drawingml/2006/main" xmlns:r="http://schemas.openxmlformats.org/officeDocument/2006/relationships" xmlns:p="http://schemas.openxmlformats.org/presentationml/2006/main">
+  <p:cSld>
+    <p:spTree>
+      <p:nvGrpSpPr>
+        <p:cNvPr id="1" name=""/>
+        <p:cNvGrpSpPr/>
+        <p:nvPr/>
+      </p:nvGrpSpPr>
+      <p:grpSpPr>
+        <a:xfrm>
+          <a:off x="0" y="0"/>
+          <a:ext cx="0" cy="0"/>
+          <a:chOff x="0" y="0"/>
+          <a:chExt cx="0" cy="0"/>
+        </a:xfrm>
+      </p:grpSpPr>
+      <p:sp>
+        <p:nvSpPr>
+          <p:cNvPr id="2" name="Title 1"/>
+          <p:cNvSpPr>
+            <a:spLocks noGrp="1"/>
+          </p:cNvSpPr>
+          <p:nvPr>
+            <p:ph type="title"/>
+          </p:nvPr>
+        </p:nvSpPr>
+        <p:spPr/>
+        <p:txBody>
+          <a:bodyPr/>
+          <a:lstStyle/>
+          <a:p>
+            <a:pPr lvl="0" marL="0" indent="0">
+              <a:buNone/>
+            </a:pPr>
+            <a:r>
+              <a:rPr/>
+              <a:t>Lines</a:t>
+            </a:r>
+            <a:r>
+              <a:rPr/>
+              <a:t> </a:t>
+            </a:r>
+            <a:r>
+              <a:rPr/>
+              <a:t>as</a:t>
+            </a:r>
+            <a:r>
+              <a:rPr/>
+              <a:t> </a:t>
+            </a:r>
+            <a:r>
+              <a:rPr/>
+              <a:t>averages</a:t>
+            </a:r>
+          </a:p>
+        </p:txBody>
+      </p:sp>
+      <p:pic>
+        <p:nvPicPr>
+          <p:cNvPr descr="../images/r/average.png" id="0" name="Picture 1"/>
+          <p:cNvPicPr>
+            <a:picLocks noGrp="1" noChangeAspect="1"/>
+          </p:cNvPicPr>
+          <p:nvPr/>
+        </p:nvPicPr>
+        <p:blipFill>
+          <a:blip r:embed="rId2"/>
+          <a:stretch>
+            <a:fillRect/>
+          </a:stretch>
+        </p:blipFill>
+        <p:spPr bwMode="auto">
+          <a:xfrm>
+            <a:off x="2311400" y="1600200"/>
+            <a:ext cx="4521200" cy="4521200"/>
+          </a:xfrm>
+          <a:prstGeom prst="rect">
+            <a:avLst/>
+          </a:prstGeom>
+          <a:noFill/>
+          <a:ln w="9525">
+            <a:noFill/>
+            <a:headEnd/>
+            <a:tailEnd/>
+          </a:ln>
+        </p:spPr>
+      </p:pic>
+    </p:spTree>
+  </p:cSld>
+</p:sld>
+</file>
+
+<file path=ppt/slides/slide32.xml><?xml version="1.0" encoding="utf-8"?>
+<p:sld xmlns:a="http://schemas.openxmlformats.org/drawingml/2006/main" xmlns:r="http://schemas.openxmlformats.org/officeDocument/2006/relationships" xmlns:p="http://schemas.openxmlformats.org/presentationml/2006/main">
+  <p:cSld>
+    <p:spTree>
+      <p:nvGrpSpPr>
+        <p:cNvPr id="1" name=""/>
+        <p:cNvGrpSpPr/>
+        <p:nvPr/>
+      </p:nvGrpSpPr>
+      <p:grpSpPr>
+        <a:xfrm>
+          <a:off x="0" y="0"/>
+          <a:ext cx="0" cy="0"/>
+          <a:chOff x="0" y="0"/>
+          <a:chExt cx="0" cy="0"/>
+        </a:xfrm>
+      </p:grpSpPr>
+      <p:sp>
+        <p:nvSpPr>
+          <p:cNvPr id="2" name="Title 1"/>
+          <p:cNvSpPr>
+            <a:spLocks noGrp="1"/>
+          </p:cNvSpPr>
+          <p:nvPr>
+            <p:ph type="title"/>
+          </p:nvPr>
+        </p:nvSpPr>
+        <p:spPr/>
+        <p:txBody>
+          <a:bodyPr/>
+          <a:lstStyle/>
+          <a:p>
+            <a:pPr lvl="0" marL="0" indent="0">
+              <a:buNone/>
+            </a:pPr>
+            <a:r>
+              <a:rPr/>
+              <a:t>Lines</a:t>
+            </a:r>
+            <a:r>
+              <a:rPr/>
+              <a:t> </a:t>
+            </a:r>
+            <a:r>
+              <a:rPr/>
+              <a:t>as</a:t>
+            </a:r>
+            <a:r>
+              <a:rPr/>
+              <a:t> </a:t>
+            </a:r>
+            <a:r>
+              <a:rPr/>
+              <a:t>counts</a:t>
+            </a:r>
+          </a:p>
+        </p:txBody>
+      </p:sp>
+      <p:pic>
+        <p:nvPicPr>
+          <p:cNvPr descr="../images/r/count.png" id="0" name="Picture 1"/>
+          <p:cNvPicPr>
+            <a:picLocks noGrp="1" noChangeAspect="1"/>
+          </p:cNvPicPr>
+          <p:nvPr/>
+        </p:nvPicPr>
+        <p:blipFill>
+          <a:blip r:embed="rId2"/>
+          <a:stretch>
+            <a:fillRect/>
+          </a:stretch>
+        </p:blipFill>
+        <p:spPr bwMode="auto">
+          <a:xfrm>
+            <a:off x="2311400" y="1600200"/>
+            <a:ext cx="4521200" cy="4521200"/>
+          </a:xfrm>
+          <a:prstGeom prst="rect">
+            <a:avLst/>
+          </a:prstGeom>
+          <a:noFill/>
+          <a:ln w="9525">
+            <a:noFill/>
+            <a:headEnd/>
+            <a:tailEnd/>
+          </a:ln>
+        </p:spPr>
+      </p:pic>
+    </p:spTree>
+  </p:cSld>
+</p:sld>
+</file>
+
+<file path=ppt/slides/slide33.xml><?xml version="1.0" encoding="utf-8"?>
+<p:sld xmlns:a="http://schemas.openxmlformats.org/drawingml/2006/main" xmlns:r="http://schemas.openxmlformats.org/officeDocument/2006/relationships" xmlns:p="http://schemas.openxmlformats.org/presentationml/2006/main">
+  <p:cSld>
+    <p:spTree>
+      <p:nvGrpSpPr>
+        <p:cNvPr id="1" name=""/>
+        <p:cNvGrpSpPr/>
+        <p:nvPr/>
+      </p:nvGrpSpPr>
+      <p:grpSpPr>
+        <a:xfrm>
+          <a:off x="0" y="0"/>
+          <a:ext cx="0" cy="0"/>
+          <a:chOff x="0" y="0"/>
+          <a:chExt cx="0" cy="0"/>
+        </a:xfrm>
+      </p:grpSpPr>
+      <p:sp>
+        <p:nvSpPr>
+          <p:cNvPr id="2" name="Title 1"/>
+          <p:cNvSpPr>
+            <a:spLocks noGrp="1"/>
+          </p:cNvSpPr>
+          <p:nvPr>
+            <p:ph type="title"/>
+          </p:nvPr>
+        </p:nvSpPr>
+        <p:spPr/>
+        <p:txBody>
+          <a:bodyPr/>
+          <a:lstStyle/>
+          <a:p>
+            <a:pPr lvl="0" marL="0" indent="0">
+              <a:buNone/>
+            </a:pPr>
+            <a:r>
+              <a:rPr/>
+              <a:t>On</a:t>
+            </a:r>
+            <a:r>
+              <a:rPr/>
+              <a:t> </a:t>
+            </a:r>
+            <a:r>
+              <a:rPr/>
+              <a:t>your</a:t>
+            </a:r>
+            <a:r>
+              <a:rPr/>
+              <a:t> </a:t>
+            </a:r>
+            <a:r>
+              <a:rPr/>
+              <a:t>own</a:t>
             </a:r>
           </a:p>
         </p:txBody>
@@ -5583,16 +9052,589 @@
           <a:bodyPr/>
           <a:lstStyle/>
           <a:p>
+            <a:pPr lvl="1"/>
+            <a:r>
+              <a:rPr/>
+              <a:t>Draw a line graph showing the relationship between the number of bathrooms and price.</a:t>
+            </a:r>
+          </a:p>
+        </p:txBody>
+      </p:sp>
+    </p:spTree>
+  </p:cSld>
+</p:sld>
+</file>
+
+<file path=ppt/slides/slide34.xml><?xml version="1.0" encoding="utf-8"?>
+<p:sld xmlns:a="http://schemas.openxmlformats.org/drawingml/2006/main" xmlns:r="http://schemas.openxmlformats.org/officeDocument/2006/relationships" xmlns:p="http://schemas.openxmlformats.org/presentationml/2006/main">
+  <p:cSld>
+    <p:spTree>
+      <p:nvGrpSpPr>
+        <p:cNvPr id="1" name=""/>
+        <p:cNvGrpSpPr/>
+        <p:nvPr/>
+      </p:nvGrpSpPr>
+      <p:grpSpPr>
+        <a:xfrm>
+          <a:off x="0" y="0"/>
+          <a:ext cx="0" cy="0"/>
+          <a:chOff x="0" y="0"/>
+          <a:chExt cx="0" cy="0"/>
+        </a:xfrm>
+      </p:grpSpPr>
+      <p:sp>
+        <p:nvSpPr>
+          <p:cNvPr id="2" name="Title 1"/>
+          <p:cNvSpPr>
+            <a:spLocks noGrp="1"/>
+          </p:cNvSpPr>
+          <p:nvPr>
+            <p:ph type="title"/>
+          </p:nvPr>
+        </p:nvSpPr>
+        <p:spPr/>
+        <p:txBody>
+          <a:bodyPr/>
+          <a:lstStyle/>
+          <a:p>
             <a:pPr lvl="0" marL="0" indent="0">
               <a:buNone/>
             </a:pPr>
             <a:r>
               <a:rPr/>
-              <a:t>((Download the Titanic data set))</a:t>
-            </a:r>
-          </a:p>
-        </p:txBody>
-      </p:sp>
+              <a:t>Wait</a:t>
+            </a:r>
+            <a:r>
+              <a:rPr/>
+              <a:t> </a:t>
+            </a:r>
+            <a:r>
+              <a:rPr/>
+              <a:t>before</a:t>
+            </a:r>
+            <a:r>
+              <a:rPr/>
+              <a:t> </a:t>
+            </a:r>
+            <a:r>
+              <a:rPr/>
+              <a:t>showing</a:t>
+            </a:r>
+          </a:p>
+        </p:txBody>
+      </p:sp>
+      <p:sp>
+        <p:nvSpPr>
+          <p:cNvPr id="3" name="Content Placeholder 2"/>
+          <p:cNvSpPr>
+            <a:spLocks noGrp="1"/>
+          </p:cNvSpPr>
+          <p:nvPr>
+            <p:ph idx="1"/>
+          </p:nvPr>
+        </p:nvSpPr>
+        <p:spPr/>
+        <p:txBody>
+          <a:bodyPr/>
+          <a:lstStyle/>
+          <a:p>
+            <a:pPr lvl="0" marL="0" indent="0">
+              <a:buNone/>
+            </a:pPr>
+            <a:r>
+              <a:rPr/>
+              <a:t>((Add code here))</a:t>
+            </a:r>
+          </a:p>
+        </p:txBody>
+      </p:sp>
+    </p:spTree>
+  </p:cSld>
+</p:sld>
+</file>
+
+<file path=ppt/slides/slide35.xml><?xml version="1.0" encoding="utf-8"?>
+<p:sld xmlns:a="http://schemas.openxmlformats.org/drawingml/2006/main" xmlns:r="http://schemas.openxmlformats.org/officeDocument/2006/relationships" xmlns:p="http://schemas.openxmlformats.org/presentationml/2006/main">
+  <p:cSld>
+    <p:spTree>
+      <p:nvGrpSpPr>
+        <p:cNvPr id="1" name=""/>
+        <p:cNvGrpSpPr/>
+        <p:nvPr/>
+      </p:nvGrpSpPr>
+      <p:grpSpPr>
+        <a:xfrm>
+          <a:off x="0" y="0"/>
+          <a:ext cx="0" cy="0"/>
+          <a:chOff x="0" y="0"/>
+          <a:chExt cx="0" cy="0"/>
+        </a:xfrm>
+      </p:grpSpPr>
+      <p:sp>
+        <p:nvSpPr>
+          <p:cNvPr id="2" name="Title 1"/>
+          <p:cNvSpPr>
+            <a:spLocks noGrp="1"/>
+          </p:cNvSpPr>
+          <p:nvPr>
+            <p:ph type="title"/>
+          </p:nvPr>
+        </p:nvSpPr>
+        <p:spPr/>
+        <p:txBody>
+          <a:bodyPr/>
+          <a:lstStyle/>
+          <a:p>
+            <a:pPr lvl="0" marL="0" indent="0">
+              <a:buNone/>
+            </a:pPr>
+            <a:r>
+              <a:rPr/>
+              <a:t>What</a:t>
+            </a:r>
+            <a:r>
+              <a:rPr/>
+              <a:t> </a:t>
+            </a:r>
+            <a:r>
+              <a:rPr/>
+              <a:t>your</a:t>
+            </a:r>
+            <a:r>
+              <a:rPr/>
+              <a:t> </a:t>
+            </a:r>
+            <a:r>
+              <a:rPr/>
+              <a:t>visualization</a:t>
+            </a:r>
+            <a:r>
+              <a:rPr/>
+              <a:t> </a:t>
+            </a:r>
+            <a:r>
+              <a:rPr/>
+              <a:t>might</a:t>
+            </a:r>
+            <a:r>
+              <a:rPr/>
+              <a:t> </a:t>
+            </a:r>
+            <a:r>
+              <a:rPr/>
+              <a:t>look</a:t>
+            </a:r>
+            <a:r>
+              <a:rPr/>
+              <a:t> </a:t>
+            </a:r>
+            <a:r>
+              <a:rPr/>
+              <a:t>like</a:t>
+            </a:r>
+          </a:p>
+        </p:txBody>
+      </p:sp>
+      <p:sp>
+        <p:nvSpPr>
+          <p:cNvPr id="3" name="Content Placeholder 2"/>
+          <p:cNvSpPr>
+            <a:spLocks noGrp="1"/>
+          </p:cNvSpPr>
+          <p:nvPr>
+            <p:ph idx="1"/>
+          </p:nvPr>
+        </p:nvSpPr>
+        <p:spPr/>
+        <p:txBody>
+          <a:bodyPr/>
+          <a:lstStyle/>
+          <a:p>
+            <a:pPr lvl="0" marL="0" indent="0">
+              <a:buNone/>
+            </a:pPr>
+            <a:r>
+              <a:rPr/>
+              <a:t>((Add visualization here))</a:t>
+            </a:r>
+          </a:p>
+        </p:txBody>
+      </p:sp>
+    </p:spTree>
+  </p:cSld>
+</p:sld>
+</file>
+
+<file path=ppt/slides/slide36.xml><?xml version="1.0" encoding="utf-8"?>
+<p:sld xmlns:a="http://schemas.openxmlformats.org/drawingml/2006/main" xmlns:r="http://schemas.openxmlformats.org/officeDocument/2006/relationships" xmlns:p="http://schemas.openxmlformats.org/presentationml/2006/main">
+  <p:cSld>
+    <p:spTree>
+      <p:nvGrpSpPr>
+        <p:cNvPr id="1" name=""/>
+        <p:cNvGrpSpPr/>
+        <p:nvPr/>
+      </p:nvGrpSpPr>
+      <p:grpSpPr>
+        <a:xfrm>
+          <a:off x="0" y="0"/>
+          <a:ext cx="0" cy="0"/>
+          <a:chOff x="0" y="0"/>
+          <a:chExt cx="0" cy="0"/>
+        </a:xfrm>
+      </p:grpSpPr>
+      <p:sp>
+        <p:nvSpPr>
+          <p:cNvPr id="2" name="Title 1"/>
+          <p:cNvSpPr>
+            <a:spLocks noGrp="1"/>
+          </p:cNvSpPr>
+          <p:nvPr>
+            <p:ph type="title"/>
+          </p:nvPr>
+        </p:nvSpPr>
+        <p:spPr/>
+        <p:txBody>
+          <a:bodyPr/>
+          <a:lstStyle/>
+          <a:p>
+            <a:pPr lvl="0" marL="0" indent="0">
+              <a:buNone/>
+            </a:pPr>
+            <a:r>
+              <a:rPr/>
+              <a:t>Boxplots</a:t>
+            </a:r>
+          </a:p>
+        </p:txBody>
+      </p:sp>
+      <p:sp>
+        <p:nvSpPr>
+          <p:cNvPr id="3" name="Content Placeholder 2"/>
+          <p:cNvSpPr>
+            <a:spLocks noGrp="1"/>
+          </p:cNvSpPr>
+          <p:nvPr>
+            <p:ph idx="1"/>
+          </p:nvPr>
+        </p:nvSpPr>
+        <p:spPr/>
+        <p:txBody>
+          <a:bodyPr/>
+          <a:lstStyle/>
+          <a:p>
+            <a:pPr lvl="0" marL="0" indent="0">
+              <a:buNone/>
+            </a:pPr>
+            <a:r>
+              <a:rPr/>
+              <a:t>((Draw example and ask students to do a similar example))</a:t>
+            </a:r>
+          </a:p>
+        </p:txBody>
+      </p:sp>
+    </p:spTree>
+  </p:cSld>
+</p:sld>
+</file>
+
+<file path=ppt/slides/slide37.xml><?xml version="1.0" encoding="utf-8"?>
+<p:sld xmlns:a="http://schemas.openxmlformats.org/drawingml/2006/main" xmlns:r="http://schemas.openxmlformats.org/officeDocument/2006/relationships" xmlns:p="http://schemas.openxmlformats.org/presentationml/2006/main">
+  <p:cSld>
+    <p:spTree>
+      <p:nvGrpSpPr>
+        <p:cNvPr id="1" name=""/>
+        <p:cNvGrpSpPr/>
+        <p:nvPr/>
+      </p:nvGrpSpPr>
+      <p:grpSpPr>
+        <a:xfrm>
+          <a:off x="0" y="0"/>
+          <a:ext cx="0" cy="0"/>
+          <a:chOff x="0" y="0"/>
+          <a:chExt cx="0" cy="0"/>
+        </a:xfrm>
+      </p:grpSpPr>
+      <p:sp>
+        <p:nvSpPr>
+          <p:cNvPr id="2" name="Title 1"/>
+          <p:cNvSpPr>
+            <a:spLocks noGrp="1"/>
+          </p:cNvSpPr>
+          <p:nvPr>
+            <p:ph type="title"/>
+          </p:nvPr>
+        </p:nvSpPr>
+        <p:spPr/>
+        <p:txBody>
+          <a:bodyPr/>
+          <a:lstStyle/>
+          <a:p>
+            <a:pPr lvl="0" marL="0" indent="0">
+              <a:buNone/>
+            </a:pPr>
+            <a:r>
+              <a:rPr/>
+              <a:t>Trend</a:t>
+            </a:r>
+            <a:r>
+              <a:rPr/>
+              <a:t> </a:t>
+            </a:r>
+            <a:r>
+              <a:rPr/>
+              <a:t>lines</a:t>
+            </a:r>
+            <a:r>
+              <a:rPr/>
+              <a:t> </a:t>
+            </a:r>
+            <a:r>
+              <a:rPr/>
+              <a:t>(linear)</a:t>
+            </a:r>
+          </a:p>
+        </p:txBody>
+      </p:sp>
+      <p:pic>
+        <p:nvPicPr>
+          <p:cNvPr descr="../images/r/linear-trend-age.png" id="0" name="Picture 1"/>
+          <p:cNvPicPr>
+            <a:picLocks noGrp="1" noChangeAspect="1"/>
+          </p:cNvPicPr>
+          <p:nvPr/>
+        </p:nvPicPr>
+        <p:blipFill>
+          <a:blip r:embed="rId2"/>
+          <a:stretch>
+            <a:fillRect/>
+          </a:stretch>
+        </p:blipFill>
+        <p:spPr bwMode="auto">
+          <a:xfrm>
+            <a:off x="2311400" y="1600200"/>
+            <a:ext cx="4521200" cy="4521200"/>
+          </a:xfrm>
+          <a:prstGeom prst="rect">
+            <a:avLst/>
+          </a:prstGeom>
+          <a:noFill/>
+          <a:ln w="9525">
+            <a:noFill/>
+            <a:headEnd/>
+            <a:tailEnd/>
+          </a:ln>
+        </p:spPr>
+      </p:pic>
+    </p:spTree>
+  </p:cSld>
+</p:sld>
+</file>
+
+<file path=ppt/slides/slide38.xml><?xml version="1.0" encoding="utf-8"?>
+<p:sld xmlns:a="http://schemas.openxmlformats.org/drawingml/2006/main" xmlns:r="http://schemas.openxmlformats.org/officeDocument/2006/relationships" xmlns:p="http://schemas.openxmlformats.org/presentationml/2006/main">
+  <p:cSld>
+    <p:spTree>
+      <p:nvGrpSpPr>
+        <p:cNvPr id="1" name=""/>
+        <p:cNvGrpSpPr/>
+        <p:nvPr/>
+      </p:nvGrpSpPr>
+      <p:grpSpPr>
+        <a:xfrm>
+          <a:off x="0" y="0"/>
+          <a:ext cx="0" cy="0"/>
+          <a:chOff x="0" y="0"/>
+          <a:chExt cx="0" cy="0"/>
+        </a:xfrm>
+      </p:grpSpPr>
+      <p:sp>
+        <p:nvSpPr>
+          <p:cNvPr id="2" name="Title 1"/>
+          <p:cNvSpPr>
+            <a:spLocks noGrp="1"/>
+          </p:cNvSpPr>
+          <p:nvPr>
+            <p:ph type="title"/>
+          </p:nvPr>
+        </p:nvSpPr>
+        <p:spPr/>
+        <p:txBody>
+          <a:bodyPr/>
+          <a:lstStyle/>
+          <a:p>
+            <a:pPr lvl="0" marL="0" indent="0">
+              <a:buNone/>
+            </a:pPr>
+            <a:r>
+              <a:rPr/>
+              <a:t>Trend</a:t>
+            </a:r>
+            <a:r>
+              <a:rPr/>
+              <a:t> </a:t>
+            </a:r>
+            <a:r>
+              <a:rPr/>
+              <a:t>lines</a:t>
+            </a:r>
+            <a:r>
+              <a:rPr/>
+              <a:t> </a:t>
+            </a:r>
+            <a:r>
+              <a:rPr/>
+              <a:t>(spline)</a:t>
+            </a:r>
+          </a:p>
+        </p:txBody>
+      </p:sp>
+      <p:pic>
+        <p:nvPicPr>
+          <p:cNvPr descr="../images/r/smooth-trend.png" id="0" name="Picture 1"/>
+          <p:cNvPicPr>
+            <a:picLocks noGrp="1" noChangeAspect="1"/>
+          </p:cNvPicPr>
+          <p:nvPr/>
+        </p:nvPicPr>
+        <p:blipFill>
+          <a:blip r:embed="rId2"/>
+          <a:stretch>
+            <a:fillRect/>
+          </a:stretch>
+        </p:blipFill>
+        <p:spPr bwMode="auto">
+          <a:xfrm>
+            <a:off x="2311400" y="1600200"/>
+            <a:ext cx="4521200" cy="4521200"/>
+          </a:xfrm>
+          <a:prstGeom prst="rect">
+            <a:avLst/>
+          </a:prstGeom>
+          <a:noFill/>
+          <a:ln w="9525">
+            <a:noFill/>
+            <a:headEnd/>
+            <a:tailEnd/>
+          </a:ln>
+        </p:spPr>
+      </p:pic>
+    </p:spTree>
+  </p:cSld>
+</p:sld>
+</file>
+
+<file path=ppt/slides/slide39.xml><?xml version="1.0" encoding="utf-8"?>
+<p:sld xmlns:a="http://schemas.openxmlformats.org/drawingml/2006/main" xmlns:r="http://schemas.openxmlformats.org/officeDocument/2006/relationships" xmlns:p="http://schemas.openxmlformats.org/presentationml/2006/main">
+  <p:cSld>
+    <p:spTree>
+      <p:nvGrpSpPr>
+        <p:cNvPr id="1" name=""/>
+        <p:cNvGrpSpPr/>
+        <p:nvPr/>
+      </p:nvGrpSpPr>
+      <p:grpSpPr>
+        <a:xfrm>
+          <a:off x="0" y="0"/>
+          <a:ext cx="0" cy="0"/>
+          <a:chOff x="0" y="0"/>
+          <a:chExt cx="0" cy="0"/>
+        </a:xfrm>
+      </p:grpSpPr>
+      <p:sp>
+        <p:nvSpPr>
+          <p:cNvPr id="2" name="Title 1"/>
+          <p:cNvSpPr>
+            <a:spLocks noGrp="1"/>
+          </p:cNvSpPr>
+          <p:nvPr>
+            <p:ph type="title"/>
+          </p:nvPr>
+        </p:nvSpPr>
+        <p:spPr/>
+        <p:txBody>
+          <a:bodyPr/>
+          <a:lstStyle/>
+          <a:p>
+            <a:pPr lvl="0" marL="0" indent="0">
+              <a:buNone/>
+            </a:pPr>
+            <a:r>
+              <a:rPr/>
+              <a:t>Trend</a:t>
+            </a:r>
+            <a:r>
+              <a:rPr/>
+              <a:t> </a:t>
+            </a:r>
+            <a:r>
+              <a:rPr/>
+              <a:t>lines</a:t>
+            </a:r>
+            <a:r>
+              <a:rPr/>
+              <a:t> </a:t>
+            </a:r>
+            <a:r>
+              <a:rPr/>
+              <a:t>(spline),</a:t>
+            </a:r>
+            <a:r>
+              <a:rPr/>
+              <a:t> </a:t>
+            </a:r>
+            <a:r>
+              <a:rPr/>
+              <a:t>not</a:t>
+            </a:r>
+            <a:r>
+              <a:rPr/>
+              <a:t> </a:t>
+            </a:r>
+            <a:r>
+              <a:rPr/>
+              <a:t>so</a:t>
+            </a:r>
+            <a:r>
+              <a:rPr/>
+              <a:t> </a:t>
+            </a:r>
+            <a:r>
+              <a:rPr/>
+              <a:t>smooth</a:t>
+            </a:r>
+          </a:p>
+        </p:txBody>
+      </p:sp>
+      <p:pic>
+        <p:nvPicPr>
+          <p:cNvPr descr="../images/r/smooth-trend-3.png" id="0" name="Picture 1"/>
+          <p:cNvPicPr>
+            <a:picLocks noGrp="1" noChangeAspect="1"/>
+          </p:cNvPicPr>
+          <p:nvPr/>
+        </p:nvPicPr>
+        <p:blipFill>
+          <a:blip r:embed="rId2"/>
+          <a:stretch>
+            <a:fillRect/>
+          </a:stretch>
+        </p:blipFill>
+        <p:spPr bwMode="auto">
+          <a:xfrm>
+            <a:off x="2311400" y="1600200"/>
+            <a:ext cx="4521200" cy="4521200"/>
+          </a:xfrm>
+          <a:prstGeom prst="rect">
+            <a:avLst/>
+          </a:prstGeom>
+          <a:noFill/>
+          <a:ln w="9525">
+            <a:noFill/>
+            <a:headEnd/>
+            <a:tailEnd/>
+          </a:ln>
+        </p:spPr>
+      </p:pic>
     </p:spTree>
   </p:cSld>
 </p:sld>
@@ -5635,15 +9677,1054 @@
             </a:pPr>
             <a:r>
               <a:rPr/>
-              <a:t>Python</a:t>
-            </a:r>
-            <a:r>
-              <a:rPr/>
-              <a:t> </a:t>
-            </a:r>
-            <a:r>
-              <a:rPr/>
-              <a:t>code</a:t>
+              <a:t>To</a:t>
+            </a:r>
+            <a:r>
+              <a:rPr/>
+              <a:t> </a:t>
+            </a:r>
+            <a:r>
+              <a:rPr/>
+              <a:t>prepare</a:t>
+            </a:r>
+            <a:r>
+              <a:rPr/>
+              <a:t> </a:t>
+            </a:r>
+            <a:r>
+              <a:rPr/>
+              <a:t>for</a:t>
+            </a:r>
+            <a:r>
+              <a:rPr/>
+              <a:t> </a:t>
+            </a:r>
+            <a:r>
+              <a:rPr/>
+              <a:t>this</a:t>
+            </a:r>
+            <a:r>
+              <a:rPr/>
+              <a:t> </a:t>
+            </a:r>
+            <a:r>
+              <a:rPr/>
+              <a:t>section</a:t>
+            </a:r>
+          </a:p>
+        </p:txBody>
+      </p:sp>
+      <p:sp>
+        <p:nvSpPr>
+          <p:cNvPr id="3" name="Content Placeholder 2"/>
+          <p:cNvSpPr>
+            <a:spLocks noGrp="1"/>
+          </p:cNvSpPr>
+          <p:nvPr>
+            <p:ph idx="1"/>
+          </p:nvPr>
+        </p:nvSpPr>
+        <p:spPr/>
+        <p:txBody>
+          <a:bodyPr/>
+          <a:lstStyle/>
+          <a:p>
+            <a:pPr lvl="0" marL="0" indent="0">
+              <a:buNone/>
+            </a:pPr>
+            <a:r>
+              <a:rPr/>
+              <a:t>((Download the Titanic data set))</a:t>
+            </a:r>
+          </a:p>
+        </p:txBody>
+      </p:sp>
+    </p:spTree>
+  </p:cSld>
+</p:sld>
+</file>
+
+<file path=ppt/slides/slide40.xml><?xml version="1.0" encoding="utf-8"?>
+<p:sld xmlns:a="http://schemas.openxmlformats.org/drawingml/2006/main" xmlns:r="http://schemas.openxmlformats.org/officeDocument/2006/relationships" xmlns:p="http://schemas.openxmlformats.org/presentationml/2006/main">
+  <p:cSld>
+    <p:spTree>
+      <p:nvGrpSpPr>
+        <p:cNvPr id="1" name=""/>
+        <p:cNvGrpSpPr/>
+        <p:nvPr/>
+      </p:nvGrpSpPr>
+      <p:grpSpPr>
+        <a:xfrm>
+          <a:off x="0" y="0"/>
+          <a:ext cx="0" cy="0"/>
+          <a:chOff x="0" y="0"/>
+          <a:chExt cx="0" cy="0"/>
+        </a:xfrm>
+      </p:grpSpPr>
+      <p:sp>
+        <p:nvSpPr>
+          <p:cNvPr id="2" name="Title 1"/>
+          <p:cNvSpPr>
+            <a:spLocks noGrp="1"/>
+          </p:cNvSpPr>
+          <p:nvPr>
+            <p:ph type="title"/>
+          </p:nvPr>
+        </p:nvSpPr>
+        <p:spPr/>
+        <p:txBody>
+          <a:bodyPr/>
+          <a:lstStyle/>
+          <a:p>
+            <a:pPr lvl="0" marL="0" indent="0">
+              <a:buNone/>
+            </a:pPr>
+            <a:r>
+              <a:rPr/>
+              <a:t>On</a:t>
+            </a:r>
+            <a:r>
+              <a:rPr/>
+              <a:t> </a:t>
+            </a:r>
+            <a:r>
+              <a:rPr/>
+              <a:t>your</a:t>
+            </a:r>
+            <a:r>
+              <a:rPr/>
+              <a:t> </a:t>
+            </a:r>
+            <a:r>
+              <a:rPr/>
+              <a:t>own</a:t>
+            </a:r>
+          </a:p>
+        </p:txBody>
+      </p:sp>
+      <p:sp>
+        <p:nvSpPr>
+          <p:cNvPr id="3" name="Content Placeholder 2"/>
+          <p:cNvSpPr>
+            <a:spLocks noGrp="1"/>
+          </p:cNvSpPr>
+          <p:nvPr>
+            <p:ph idx="1"/>
+          </p:nvPr>
+        </p:nvSpPr>
+        <p:spPr/>
+        <p:txBody>
+          <a:bodyPr/>
+          <a:lstStyle/>
+          <a:p>
+            <a:pPr lvl="1"/>
+            <a:r>
+              <a:rPr/>
+              <a:t>Fit a linear trend line looking at Living.Area versus Price.</a:t>
+            </a:r>
+          </a:p>
+          <a:p>
+            <a:pPr lvl="1"/>
+            <a:r>
+              <a:rPr/>
+              <a:t>Fit a smooth curve</a:t>
+            </a:r>
+          </a:p>
+        </p:txBody>
+      </p:sp>
+    </p:spTree>
+  </p:cSld>
+</p:sld>
+</file>
+
+<file path=ppt/slides/slide41.xml><?xml version="1.0" encoding="utf-8"?>
+<p:sld xmlns:a="http://schemas.openxmlformats.org/drawingml/2006/main" xmlns:r="http://schemas.openxmlformats.org/officeDocument/2006/relationships" xmlns:p="http://schemas.openxmlformats.org/presentationml/2006/main">
+  <p:cSld>
+    <p:spTree>
+      <p:nvGrpSpPr>
+        <p:cNvPr id="1" name=""/>
+        <p:cNvGrpSpPr/>
+        <p:nvPr/>
+      </p:nvGrpSpPr>
+      <p:grpSpPr>
+        <a:xfrm>
+          <a:off x="0" y="0"/>
+          <a:ext cx="0" cy="0"/>
+          <a:chOff x="0" y="0"/>
+          <a:chExt cx="0" cy="0"/>
+        </a:xfrm>
+      </p:grpSpPr>
+      <p:sp>
+        <p:nvSpPr>
+          <p:cNvPr id="2" name="Title 1"/>
+          <p:cNvSpPr>
+            <a:spLocks noGrp="1"/>
+          </p:cNvSpPr>
+          <p:nvPr>
+            <p:ph type="title"/>
+          </p:nvPr>
+        </p:nvSpPr>
+        <p:spPr/>
+        <p:txBody>
+          <a:bodyPr/>
+          <a:lstStyle/>
+          <a:p>
+            <a:pPr lvl="0" marL="0" indent="0">
+              <a:buNone/>
+            </a:pPr>
+            <a:r>
+              <a:rPr/>
+              <a:t>Wait</a:t>
+            </a:r>
+            <a:r>
+              <a:rPr/>
+              <a:t> </a:t>
+            </a:r>
+            <a:r>
+              <a:rPr/>
+              <a:t>before</a:t>
+            </a:r>
+            <a:r>
+              <a:rPr/>
+              <a:t> </a:t>
+            </a:r>
+            <a:r>
+              <a:rPr/>
+              <a:t>showing</a:t>
+            </a:r>
+          </a:p>
+        </p:txBody>
+      </p:sp>
+    </p:spTree>
+  </p:cSld>
+</p:sld>
+</file>
+
+<file path=ppt/slides/slide42.xml><?xml version="1.0" encoding="utf-8"?>
+<p:sld xmlns:a="http://schemas.openxmlformats.org/drawingml/2006/main" xmlns:r="http://schemas.openxmlformats.org/officeDocument/2006/relationships" xmlns:p="http://schemas.openxmlformats.org/presentationml/2006/main">
+  <p:cSld>
+    <p:spTree>
+      <p:nvGrpSpPr>
+        <p:cNvPr id="1" name=""/>
+        <p:cNvGrpSpPr/>
+        <p:nvPr/>
+      </p:nvGrpSpPr>
+      <p:grpSpPr>
+        <a:xfrm>
+          <a:off x="0" y="0"/>
+          <a:ext cx="0" cy="0"/>
+          <a:chOff x="0" y="0"/>
+          <a:chExt cx="0" cy="0"/>
+        </a:xfrm>
+      </p:grpSpPr>
+      <p:sp>
+        <p:nvSpPr>
+          <p:cNvPr id="2" name="Title 1"/>
+          <p:cNvSpPr>
+            <a:spLocks noGrp="1"/>
+          </p:cNvSpPr>
+          <p:nvPr>
+            <p:ph type="title"/>
+          </p:nvPr>
+        </p:nvSpPr>
+        <p:spPr/>
+        <p:txBody>
+          <a:bodyPr/>
+          <a:lstStyle/>
+          <a:p>
+            <a:pPr lvl="0" marL="0" indent="0">
+              <a:buNone/>
+            </a:pPr>
+            <a:r>
+              <a:rPr/>
+              <a:t>What</a:t>
+            </a:r>
+            <a:r>
+              <a:rPr/>
+              <a:t> </a:t>
+            </a:r>
+            <a:r>
+              <a:rPr/>
+              <a:t>your</a:t>
+            </a:r>
+            <a:r>
+              <a:rPr/>
+              <a:t> </a:t>
+            </a:r>
+            <a:r>
+              <a:rPr/>
+              <a:t>visualization</a:t>
+            </a:r>
+            <a:r>
+              <a:rPr/>
+              <a:t> </a:t>
+            </a:r>
+            <a:r>
+              <a:rPr/>
+              <a:t>might</a:t>
+            </a:r>
+            <a:r>
+              <a:rPr/>
+              <a:t> </a:t>
+            </a:r>
+            <a:r>
+              <a:rPr/>
+              <a:t>look</a:t>
+            </a:r>
+            <a:r>
+              <a:rPr/>
+              <a:t> </a:t>
+            </a:r>
+            <a:r>
+              <a:rPr/>
+              <a:t>like</a:t>
+            </a:r>
+          </a:p>
+        </p:txBody>
+      </p:sp>
+      <p:pic>
+        <p:nvPicPr>
+          <p:cNvPr descr="../images/r/living-area-lm.png" id="0" name="Picture 1"/>
+          <p:cNvPicPr>
+            <a:picLocks noGrp="1" noChangeAspect="1"/>
+          </p:cNvPicPr>
+          <p:nvPr/>
+        </p:nvPicPr>
+        <p:blipFill>
+          <a:blip r:embed="rId2"/>
+          <a:stretch>
+            <a:fillRect/>
+          </a:stretch>
+        </p:blipFill>
+        <p:spPr bwMode="auto">
+          <a:xfrm>
+            <a:off x="2311400" y="1600200"/>
+            <a:ext cx="4521200" cy="4521200"/>
+          </a:xfrm>
+          <a:prstGeom prst="rect">
+            <a:avLst/>
+          </a:prstGeom>
+          <a:noFill/>
+          <a:ln w="9525">
+            <a:noFill/>
+            <a:headEnd/>
+            <a:tailEnd/>
+          </a:ln>
+        </p:spPr>
+      </p:pic>
+    </p:spTree>
+  </p:cSld>
+</p:sld>
+</file>
+
+<file path=ppt/slides/slide43.xml><?xml version="1.0" encoding="utf-8"?>
+<p:sld xmlns:a="http://schemas.openxmlformats.org/drawingml/2006/main" xmlns:r="http://schemas.openxmlformats.org/officeDocument/2006/relationships" xmlns:p="http://schemas.openxmlformats.org/presentationml/2006/main">
+  <p:cSld>
+    <p:spTree>
+      <p:nvGrpSpPr>
+        <p:cNvPr id="1" name=""/>
+        <p:cNvGrpSpPr/>
+        <p:nvPr/>
+      </p:nvGrpSpPr>
+      <p:grpSpPr>
+        <a:xfrm>
+          <a:off x="0" y="0"/>
+          <a:ext cx="0" cy="0"/>
+          <a:chOff x="0" y="0"/>
+          <a:chExt cx="0" cy="0"/>
+        </a:xfrm>
+      </p:grpSpPr>
+      <p:sp>
+        <p:nvSpPr>
+          <p:cNvPr id="2" name="Title 1"/>
+          <p:cNvSpPr>
+            <a:spLocks noGrp="1"/>
+          </p:cNvSpPr>
+          <p:nvPr>
+            <p:ph type="title"/>
+          </p:nvPr>
+        </p:nvSpPr>
+        <p:spPr/>
+        <p:txBody>
+          <a:bodyPr/>
+          <a:lstStyle/>
+          <a:p>
+            <a:pPr lvl="0" marL="0" indent="0">
+              <a:buNone/>
+            </a:pPr>
+            <a:r>
+              <a:rPr/>
+              <a:t>What</a:t>
+            </a:r>
+            <a:r>
+              <a:rPr/>
+              <a:t> </a:t>
+            </a:r>
+            <a:r>
+              <a:rPr/>
+              <a:t>your</a:t>
+            </a:r>
+            <a:r>
+              <a:rPr/>
+              <a:t> </a:t>
+            </a:r>
+            <a:r>
+              <a:rPr/>
+              <a:t>visualization</a:t>
+            </a:r>
+            <a:r>
+              <a:rPr/>
+              <a:t> </a:t>
+            </a:r>
+            <a:r>
+              <a:rPr/>
+              <a:t>might</a:t>
+            </a:r>
+            <a:r>
+              <a:rPr/>
+              <a:t> </a:t>
+            </a:r>
+            <a:r>
+              <a:rPr/>
+              <a:t>look</a:t>
+            </a:r>
+            <a:r>
+              <a:rPr/>
+              <a:t> </a:t>
+            </a:r>
+            <a:r>
+              <a:rPr/>
+              <a:t>like</a:t>
+            </a:r>
+          </a:p>
+        </p:txBody>
+      </p:sp>
+      <p:pic>
+        <p:nvPicPr>
+          <p:cNvPr descr="../images/r/living-area-loess.png" id="0" name="Picture 1"/>
+          <p:cNvPicPr>
+            <a:picLocks noGrp="1" noChangeAspect="1"/>
+          </p:cNvPicPr>
+          <p:nvPr/>
+        </p:nvPicPr>
+        <p:blipFill>
+          <a:blip r:embed="rId2"/>
+          <a:stretch>
+            <a:fillRect/>
+          </a:stretch>
+        </p:blipFill>
+        <p:spPr bwMode="auto">
+          <a:xfrm>
+            <a:off x="2311400" y="1600200"/>
+            <a:ext cx="4521200" cy="4521200"/>
+          </a:xfrm>
+          <a:prstGeom prst="rect">
+            <a:avLst/>
+          </a:prstGeom>
+          <a:noFill/>
+          <a:ln w="9525">
+            <a:noFill/>
+            <a:headEnd/>
+            <a:tailEnd/>
+          </a:ln>
+        </p:spPr>
+      </p:pic>
+    </p:spTree>
+  </p:cSld>
+</p:sld>
+</file>
+
+<file path=ppt/slides/slide44.xml><?xml version="1.0" encoding="utf-8"?>
+<p:sld xmlns:a="http://schemas.openxmlformats.org/drawingml/2006/main" xmlns:r="http://schemas.openxmlformats.org/officeDocument/2006/relationships" xmlns:p="http://schemas.openxmlformats.org/presentationml/2006/main">
+  <p:cSld>
+    <p:spTree>
+      <p:nvGrpSpPr>
+        <p:cNvPr id="1" name=""/>
+        <p:cNvGrpSpPr/>
+        <p:nvPr/>
+      </p:nvGrpSpPr>
+      <p:grpSpPr>
+        <a:xfrm>
+          <a:off x="0" y="0"/>
+          <a:ext cx="0" cy="0"/>
+          <a:chOff x="0" y="0"/>
+          <a:chExt cx="0" cy="0"/>
+        </a:xfrm>
+      </p:grpSpPr>
+      <p:sp>
+        <p:nvSpPr>
+          <p:cNvPr id="2" name="Title 1"/>
+          <p:cNvSpPr>
+            <a:spLocks noGrp="1"/>
+          </p:cNvSpPr>
+          <p:nvPr>
+            <p:ph type="title"/>
+          </p:nvPr>
+        </p:nvSpPr>
+        <p:spPr/>
+        <p:txBody>
+          <a:bodyPr/>
+          <a:lstStyle/>
+          <a:p>
+            <a:pPr lvl="0" marL="0" indent="0">
+              <a:buNone/>
+            </a:pPr>
+            <a:r>
+              <a:rPr/>
+              <a:t>Trend</a:t>
+            </a:r>
+            <a:r>
+              <a:rPr/>
+              <a:t> </a:t>
+            </a:r>
+            <a:r>
+              <a:rPr/>
+              <a:t>lines</a:t>
+            </a:r>
+            <a:r>
+              <a:rPr/>
+              <a:t> </a:t>
+            </a:r>
+            <a:r>
+              <a:rPr/>
+              <a:t>(logistic)</a:t>
+            </a:r>
+          </a:p>
+        </p:txBody>
+      </p:sp>
+      <p:sp>
+        <p:nvSpPr>
+          <p:cNvPr id="3" name="Content Placeholder 2"/>
+          <p:cNvSpPr>
+            <a:spLocks noGrp="1"/>
+          </p:cNvSpPr>
+          <p:nvPr>
+            <p:ph idx="1"/>
+          </p:nvPr>
+        </p:nvSpPr>
+        <p:spPr/>
+        <p:txBody>
+          <a:bodyPr/>
+          <a:lstStyle/>
+          <a:p>
+            <a:pPr lvl="0" marL="0" indent="0">
+              <a:buNone/>
+            </a:pPr>
+            <a:r>
+              <a:rPr/>
+              <a:t>((Need a different data set here. Titanic???))</a:t>
+            </a:r>
+          </a:p>
+        </p:txBody>
+      </p:sp>
+    </p:spTree>
+  </p:cSld>
+</p:sld>
+</file>
+
+<file path=ppt/slides/slide45.xml><?xml version="1.0" encoding="utf-8"?>
+<p:sld xmlns:a="http://schemas.openxmlformats.org/drawingml/2006/main" xmlns:r="http://schemas.openxmlformats.org/officeDocument/2006/relationships" xmlns:p="http://schemas.openxmlformats.org/presentationml/2006/main">
+  <p:cSld>
+    <p:spTree>
+      <p:nvGrpSpPr>
+        <p:cNvPr id="1" name=""/>
+        <p:cNvGrpSpPr/>
+        <p:nvPr/>
+      </p:nvGrpSpPr>
+      <p:grpSpPr>
+        <a:xfrm>
+          <a:off x="0" y="0"/>
+          <a:ext cx="0" cy="0"/>
+          <a:chOff x="0" y="0"/>
+          <a:chExt cx="0" cy="0"/>
+        </a:xfrm>
+      </p:grpSpPr>
+      <p:sp>
+        <p:nvSpPr>
+          <p:cNvPr id="2" name="Title 1"/>
+          <p:cNvSpPr>
+            <a:spLocks noGrp="1"/>
+          </p:cNvSpPr>
+          <p:nvPr>
+            <p:ph type="title"/>
+          </p:nvPr>
+        </p:nvSpPr>
+        <p:spPr/>
+        <p:txBody>
+          <a:bodyPr/>
+          <a:lstStyle/>
+          <a:p>
+            <a:pPr lvl="0" marL="0" indent="0">
+              <a:buNone/>
+            </a:pPr>
+            <a:r>
+              <a:rPr/>
+              <a:t>Helpful</a:t>
+            </a:r>
+            <a:r>
+              <a:rPr/>
+              <a:t> </a:t>
+            </a:r>
+            <a:r>
+              <a:rPr/>
+              <a:t>tips</a:t>
+            </a:r>
+          </a:p>
+        </p:txBody>
+      </p:sp>
+      <p:sp>
+        <p:nvSpPr>
+          <p:cNvPr id="3" name="Content Placeholder 2"/>
+          <p:cNvSpPr>
+            <a:spLocks noGrp="1"/>
+          </p:cNvSpPr>
+          <p:nvPr>
+            <p:ph idx="1"/>
+          </p:nvPr>
+        </p:nvSpPr>
+        <p:spPr/>
+        <p:txBody>
+          <a:bodyPr/>
+          <a:lstStyle/>
+          <a:p>
+            <a:pPr lvl="0" marL="0" indent="0">
+              <a:buNone/>
+            </a:pPr>
+            <a:r>
+              <a:rPr/>
+              <a:t>((Add three or four slides here. Maybe talk about opacity.))</a:t>
+            </a:r>
+          </a:p>
+        </p:txBody>
+      </p:sp>
+    </p:spTree>
+  </p:cSld>
+</p:sld>
+</file>
+
+<file path=ppt/slides/slide46.xml><?xml version="1.0" encoding="utf-8"?>
+<p:sld xmlns:a="http://schemas.openxmlformats.org/drawingml/2006/main" xmlns:r="http://schemas.openxmlformats.org/officeDocument/2006/relationships" xmlns:p="http://schemas.openxmlformats.org/presentationml/2006/main">
+  <p:cSld>
+    <p:spTree>
+      <p:nvGrpSpPr>
+        <p:cNvPr id="1" name=""/>
+        <p:cNvGrpSpPr/>
+        <p:nvPr/>
+      </p:nvGrpSpPr>
+      <p:grpSpPr>
+        <a:xfrm>
+          <a:off x="0" y="0"/>
+          <a:ext cx="0" cy="0"/>
+          <a:chOff x="0" y="0"/>
+          <a:chExt cx="0" cy="0"/>
+        </a:xfrm>
+      </p:grpSpPr>
+      <p:sp>
+        <p:nvSpPr>
+          <p:cNvPr id="2" name="Title 1"/>
+          <p:cNvSpPr>
+            <a:spLocks noGrp="1"/>
+          </p:cNvSpPr>
+          <p:nvPr>
+            <p:ph type="title"/>
+          </p:nvPr>
+        </p:nvSpPr>
+        <p:spPr/>
+        <p:txBody>
+          <a:bodyPr/>
+          <a:lstStyle/>
+          <a:p>
+            <a:pPr lvl="0" marL="0" indent="0">
+              <a:buNone/>
+            </a:pPr>
+            <a:r>
+              <a:rPr/>
+              <a:t>Helpful</a:t>
+            </a:r>
+            <a:r>
+              <a:rPr/>
+              <a:t> </a:t>
+            </a:r>
+            <a:r>
+              <a:rPr/>
+              <a:t>tips</a:t>
+            </a:r>
+          </a:p>
+        </p:txBody>
+      </p:sp>
+      <p:sp>
+        <p:nvSpPr>
+          <p:cNvPr id="3" name="Content Placeholder 2"/>
+          <p:cNvSpPr>
+            <a:spLocks noGrp="1"/>
+          </p:cNvSpPr>
+          <p:nvPr>
+            <p:ph idx="1"/>
+          </p:nvPr>
+        </p:nvSpPr>
+        <p:spPr/>
+        <p:txBody>
+          <a:bodyPr/>
+          <a:lstStyle/>
+          <a:p>
+            <a:pPr lvl="0" marL="0" indent="0">
+              <a:buNone/>
+            </a:pPr>
+            <a:r>
+              <a:rPr/>
+              <a:t>((Add three or four slides here. Maybe talk about opacity.))</a:t>
+            </a:r>
+          </a:p>
+        </p:txBody>
+      </p:sp>
+    </p:spTree>
+  </p:cSld>
+</p:sld>
+</file>
+
+<file path=ppt/slides/slide47.xml><?xml version="1.0" encoding="utf-8"?>
+<p:sld xmlns:a="http://schemas.openxmlformats.org/drawingml/2006/main" xmlns:r="http://schemas.openxmlformats.org/officeDocument/2006/relationships" xmlns:p="http://schemas.openxmlformats.org/presentationml/2006/main">
+  <p:cSld>
+    <p:spTree>
+      <p:nvGrpSpPr>
+        <p:cNvPr id="1" name=""/>
+        <p:cNvGrpSpPr/>
+        <p:nvPr/>
+      </p:nvGrpSpPr>
+      <p:grpSpPr>
+        <a:xfrm>
+          <a:off x="0" y="0"/>
+          <a:ext cx="0" cy="0"/>
+          <a:chOff x="0" y="0"/>
+          <a:chExt cx="0" cy="0"/>
+        </a:xfrm>
+      </p:grpSpPr>
+      <p:sp>
+        <p:nvSpPr>
+          <p:cNvPr id="2" name="Title 1"/>
+          <p:cNvSpPr>
+            <a:spLocks noGrp="1"/>
+          </p:cNvSpPr>
+          <p:nvPr>
+            <p:ph type="title"/>
+          </p:nvPr>
+        </p:nvSpPr>
+        <p:spPr/>
+        <p:txBody>
+          <a:bodyPr/>
+          <a:lstStyle/>
+          <a:p>
+            <a:pPr lvl="0" marL="0" indent="0">
+              <a:buNone/>
+            </a:pPr>
+            <a:r>
+              <a:rPr/>
+              <a:t>Group</a:t>
+            </a:r>
+            <a:r>
+              <a:rPr/>
+              <a:t> </a:t>
+            </a:r>
+            <a:r>
+              <a:rPr/>
+              <a:t>exercise</a:t>
+            </a:r>
+          </a:p>
+        </p:txBody>
+      </p:sp>
+      <p:sp>
+        <p:nvSpPr>
+          <p:cNvPr id="3" name="Content Placeholder 2"/>
+          <p:cNvSpPr>
+            <a:spLocks noGrp="1"/>
+          </p:cNvSpPr>
+          <p:nvPr>
+            <p:ph idx="1"/>
+          </p:nvPr>
+        </p:nvSpPr>
+        <p:spPr/>
+        <p:txBody>
+          <a:bodyPr/>
+          <a:lstStyle/>
+          <a:p>
+            <a:pPr lvl="1"/>
+            <a:r>
+              <a:rPr/>
+              <a:t>Review the following visualization in your group.</a:t>
+            </a:r>
+          </a:p>
+          <a:p>
+            <a:pPr lvl="2"/>
+            <a:r>
+              <a:rPr/>
+              <a:t>Summarize what aesthetics (location, size, shape, color) appear in the graph</a:t>
+            </a:r>
+          </a:p>
+          <a:p>
+            <a:pPr lvl="2"/>
+            <a:r>
+              <a:rPr/>
+              <a:t>What variables map to each aesthetic?</a:t>
+            </a:r>
+          </a:p>
+          <a:p>
+            <a:pPr lvl="0" marL="0" indent="0">
+              <a:buNone/>
+            </a:pPr>
+            <a:r>
+              <a:rPr/>
+              <a:t>((Find new images or use the ones from earlier))</a:t>
+            </a:r>
+          </a:p>
+        </p:txBody>
+      </p:sp>
+    </p:spTree>
+  </p:cSld>
+</p:sld>
+</file>
+
+<file path=ppt/slides/slide48.xml><?xml version="1.0" encoding="utf-8"?>
+<p:sld xmlns:a="http://schemas.openxmlformats.org/drawingml/2006/main" xmlns:r="http://schemas.openxmlformats.org/officeDocument/2006/relationships" xmlns:p="http://schemas.openxmlformats.org/presentationml/2006/main">
+  <p:cSld>
+    <p:spTree>
+      <p:nvGrpSpPr>
+        <p:cNvPr id="1" name=""/>
+        <p:cNvGrpSpPr/>
+        <p:nvPr/>
+      </p:nvGrpSpPr>
+      <p:grpSpPr>
+        <a:xfrm>
+          <a:off x="0" y="0"/>
+          <a:ext cx="0" cy="0"/>
+          <a:chOff x="0" y="0"/>
+          <a:chExt cx="0" cy="0"/>
+        </a:xfrm>
+      </p:grpSpPr>
+      <p:sp>
+        <p:nvSpPr>
+          <p:cNvPr id="2" name="Title 1"/>
+          <p:cNvSpPr>
+            <a:spLocks noGrp="1"/>
+          </p:cNvSpPr>
+          <p:nvPr>
+            <p:ph type="title"/>
+          </p:nvPr>
+        </p:nvSpPr>
+        <p:spPr/>
+        <p:txBody>
+          <a:bodyPr/>
+          <a:lstStyle/>
+          <a:p>
+            <a:pPr lvl="0" marL="0" indent="0">
+              <a:buNone/>
+            </a:pPr>
+            <a:r>
+              <a:rPr/>
+              <a:t>Summary</a:t>
+            </a:r>
+            <a:r>
+              <a:rPr/>
+              <a:t> </a:t>
+            </a:r>
+            <a:r>
+              <a:rPr/>
+              <a:t>(1</a:t>
+            </a:r>
+            <a:r>
+              <a:rPr/>
+              <a:t> </a:t>
+            </a:r>
+            <a:r>
+              <a:rPr/>
+              <a:t>of</a:t>
+            </a:r>
+            <a:r>
+              <a:rPr/>
+              <a:t> </a:t>
+            </a:r>
+            <a:r>
+              <a:rPr/>
+              <a:t>2)</a:t>
+            </a:r>
+          </a:p>
+        </p:txBody>
+      </p:sp>
+      <p:sp>
+        <p:nvSpPr>
+          <p:cNvPr id="3" name="Content Placeholder 2"/>
+          <p:cNvSpPr>
+            <a:spLocks noGrp="1"/>
+          </p:cNvSpPr>
+          <p:nvPr>
+            <p:ph idx="1"/>
+          </p:nvPr>
+        </p:nvSpPr>
+        <p:spPr/>
+        <p:txBody>
+          <a:bodyPr/>
+          <a:lstStyle/>
+          <a:p>
+            <a:pPr lvl="1"/>
+            <a:r>
+              <a:rPr/>
+              <a:t>Gestalt principles</a:t>
+            </a:r>
+          </a:p>
+          <a:p>
+            <a:pPr lvl="2"/>
+            <a:r>
+              <a:rPr/>
+              <a:t>((List here))</a:t>
+            </a:r>
+          </a:p>
+          <a:p>
+            <a:pPr lvl="1"/>
+            <a:r>
+              <a:rPr/>
+              <a:t>Aesthetics for lines</a:t>
+            </a:r>
+          </a:p>
+          <a:p>
+            <a:pPr lvl="2"/>
+            <a:r>
+              <a:rPr/>
+              <a:t>Size, Shape, Color</a:t>
+            </a:r>
+          </a:p>
+          <a:p>
+            <a:pPr lvl="1"/>
+            <a:r>
+              <a:rPr/>
+              <a:t>Lines as summary statistics</a:t>
+            </a:r>
+          </a:p>
+          <a:p>
+            <a:pPr lvl="2"/>
+            <a:r>
+              <a:rPr/>
+              <a:t>One number summary (mean, total, count, percent)</a:t>
+            </a:r>
+          </a:p>
+          <a:p>
+            <a:pPr lvl="2"/>
+            <a:r>
+              <a:rPr/>
+              <a:t>Two number summary (error bars)</a:t>
+            </a:r>
+          </a:p>
+          <a:p>
+            <a:pPr lvl="2"/>
+            <a:r>
+              <a:rPr/>
+              <a:t>Five number summary (boxplots)</a:t>
+            </a:r>
+          </a:p>
+        </p:txBody>
+      </p:sp>
+    </p:spTree>
+  </p:cSld>
+</p:sld>
+</file>
+
+<file path=ppt/slides/slide49.xml><?xml version="1.0" encoding="utf-8"?>
+<p:sld xmlns:a="http://schemas.openxmlformats.org/drawingml/2006/main" xmlns:r="http://schemas.openxmlformats.org/officeDocument/2006/relationships" xmlns:p="http://schemas.openxmlformats.org/presentationml/2006/main">
+  <p:cSld>
+    <p:spTree>
+      <p:nvGrpSpPr>
+        <p:cNvPr id="1" name=""/>
+        <p:cNvGrpSpPr/>
+        <p:nvPr/>
+      </p:nvGrpSpPr>
+      <p:grpSpPr>
+        <a:xfrm>
+          <a:off x="0" y="0"/>
+          <a:ext cx="0" cy="0"/>
+          <a:chOff x="0" y="0"/>
+          <a:chExt cx="0" cy="0"/>
+        </a:xfrm>
+      </p:grpSpPr>
+      <p:sp>
+        <p:nvSpPr>
+          <p:cNvPr id="2" name="Title 1"/>
+          <p:cNvSpPr>
+            <a:spLocks noGrp="1"/>
+          </p:cNvSpPr>
+          <p:nvPr>
+            <p:ph type="title"/>
+          </p:nvPr>
+        </p:nvSpPr>
+        <p:spPr/>
+        <p:txBody>
+          <a:bodyPr/>
+          <a:lstStyle/>
+          <a:p>
+            <a:pPr lvl="0" marL="0" indent="0">
+              <a:buNone/>
+            </a:pPr>
+            <a:r>
+              <a:rPr/>
+              <a:t>Summary</a:t>
+            </a:r>
+            <a:r>
+              <a:rPr/>
+              <a:t> </a:t>
+            </a:r>
+            <a:r>
+              <a:rPr/>
+              <a:t>(2</a:t>
+            </a:r>
+            <a:r>
+              <a:rPr/>
+              <a:t> </a:t>
+            </a:r>
+            <a:r>
+              <a:rPr/>
+              <a:t>of</a:t>
+            </a:r>
+            <a:r>
+              <a:rPr/>
+              <a:t> </a:t>
+            </a:r>
+            <a:r>
+              <a:rPr/>
+              <a:t>2)</a:t>
+            </a:r>
+          </a:p>
+        </p:txBody>
+      </p:sp>
+      <p:sp>
+        <p:nvSpPr>
+          <p:cNvPr id="3" name="Content Placeholder 2"/>
+          <p:cNvSpPr>
+            <a:spLocks noGrp="1"/>
+          </p:cNvSpPr>
+          <p:nvPr>
+            <p:ph idx="1"/>
+          </p:nvPr>
+        </p:nvSpPr>
+        <p:spPr/>
+        <p:txBody>
+          <a:bodyPr/>
+          <a:lstStyle/>
+          <a:p>
+            <a:pPr lvl="1"/>
+            <a:r>
+              <a:rPr/>
+              <a:t>Trend lines (linear, logistic, spline)</a:t>
+            </a:r>
+          </a:p>
+          <a:p>
+            <a:pPr lvl="1"/>
+            <a:r>
+              <a:rPr/>
+              <a:t>Helpful tips</a:t>
+            </a:r>
+          </a:p>
+          <a:p>
+            <a:pPr lvl="2"/>
+            <a:r>
+              <a:rPr/>
+              <a:t>((List here))</a:t>
             </a:r>
           </a:p>
         </p:txBody>
@@ -5690,7 +10771,7 @@
             </a:pPr>
             <a:r>
               <a:rPr/>
-              <a:t>R</a:t>
+              <a:t>Python</a:t>
             </a:r>
             <a:r>
               <a:rPr/>
@@ -5745,15 +10826,15 @@
             </a:pPr>
             <a:r>
               <a:rPr/>
-              <a:t>Tableau</a:t>
-            </a:r>
-            <a:r>
-              <a:rPr/>
-              <a:t> </a:t>
-            </a:r>
-            <a:r>
-              <a:rPr/>
-              <a:t>steps</a:t>
+              <a:t>R</a:t>
+            </a:r>
+            <a:r>
+              <a:rPr/>
+              <a:t> </a:t>
+            </a:r>
+            <a:r>
+              <a:rPr/>
+              <a:t>code</a:t>
             </a:r>
           </a:p>
         </p:txBody>
@@ -5800,72 +10881,15 @@
             </a:pPr>
             <a:r>
               <a:rPr/>
-              <a:t>Group</a:t>
-            </a:r>
-            <a:r>
-              <a:rPr/>
-              <a:t> </a:t>
-            </a:r>
-            <a:r>
-              <a:rPr/>
-              <a:t>exercise</a:t>
-            </a:r>
-          </a:p>
-        </p:txBody>
-      </p:sp>
-      <p:sp>
-        <p:nvSpPr>
-          <p:cNvPr id="3" name="Content Placeholder 2"/>
-          <p:cNvSpPr>
-            <a:spLocks noGrp="1"/>
-          </p:cNvSpPr>
-          <p:nvPr>
-            <p:ph idx="1"/>
-          </p:nvPr>
-        </p:nvSpPr>
-        <p:spPr/>
-        <p:txBody>
-          <a:bodyPr/>
-          <a:lstStyle/>
-          <a:p>
-            <a:pPr lvl="1"/>
-            <a:r>
-              <a:rPr/>
-              <a:t>Review one of these graphs/newspaper articles</a:t>
-            </a:r>
-          </a:p>
-          <a:p>
-            <a:pPr lvl="2"/>
-            <a:r>
-              <a:rPr>
-                <a:hlinkClick r:id="rId3"/>
-              </a:rPr>
-              <a:t>More Strikeouts Than Hits? Welcome to Baseball’s Latest Crisis.</a:t>
-            </a:r>
-          </a:p>
-          <a:p>
-            <a:pPr lvl="2"/>
-            <a:r>
-              <a:rPr>
-                <a:hlinkClick r:id="rId4"/>
-              </a:rPr>
-              <a:t>Record shares of Americans now own smartphones, have home broadband.</a:t>
-            </a:r>
-          </a:p>
-          <a:p>
-            <a:pPr lvl="2"/>
-            <a:r>
-              <a:rPr>
-                <a:hlinkClick r:id="rId5"/>
-              </a:rPr>
-              <a:t>F.D.A. Seeks Restrictions on Teens’ Access to Flavored E-Cigarettes and a Ban on Menthol Cigarettes.</a:t>
-            </a:r>
-          </a:p>
-          <a:p>
-            <a:pPr lvl="1"/>
-            <a:r>
-              <a:rPr/>
-              <a:t>What is the message? Summarize in 25 words or less.</a:t>
+              <a:t>Tableau</a:t>
+            </a:r>
+            <a:r>
+              <a:rPr/>
+              <a:t> </a:t>
+            </a:r>
+            <a:r>
+              <a:rPr/>
+              <a:t>steps</a:t>
             </a:r>
           </a:p>
         </p:txBody>
@@ -5876,6 +10900,118 @@
 </file>
 
 <file path=ppt/slides/slide8.xml><?xml version="1.0" encoding="utf-8"?>
+<p:sld xmlns:a="http://schemas.openxmlformats.org/drawingml/2006/main" xmlns:r="http://schemas.openxmlformats.org/officeDocument/2006/relationships" xmlns:p="http://schemas.openxmlformats.org/presentationml/2006/main">
+  <p:cSld>
+    <p:spTree>
+      <p:nvGrpSpPr>
+        <p:cNvPr id="1" name=""/>
+        <p:cNvGrpSpPr/>
+        <p:nvPr/>
+      </p:nvGrpSpPr>
+      <p:grpSpPr>
+        <a:xfrm>
+          <a:off x="0" y="0"/>
+          <a:ext cx="0" cy="0"/>
+          <a:chOff x="0" y="0"/>
+          <a:chExt cx="0" cy="0"/>
+        </a:xfrm>
+      </p:grpSpPr>
+      <p:sp>
+        <p:nvSpPr>
+          <p:cNvPr id="2" name="Title 1"/>
+          <p:cNvSpPr>
+            <a:spLocks noGrp="1"/>
+          </p:cNvSpPr>
+          <p:nvPr>
+            <p:ph type="title"/>
+          </p:nvPr>
+        </p:nvSpPr>
+        <p:spPr/>
+        <p:txBody>
+          <a:bodyPr/>
+          <a:lstStyle/>
+          <a:p>
+            <a:pPr lvl="0" marL="0" indent="0">
+              <a:buNone/>
+            </a:pPr>
+            <a:r>
+              <a:rPr/>
+              <a:t>Group</a:t>
+            </a:r>
+            <a:r>
+              <a:rPr/>
+              <a:t> </a:t>
+            </a:r>
+            <a:r>
+              <a:rPr/>
+              <a:t>exercise</a:t>
+            </a:r>
+          </a:p>
+        </p:txBody>
+      </p:sp>
+      <p:sp>
+        <p:nvSpPr>
+          <p:cNvPr id="3" name="Content Placeholder 2"/>
+          <p:cNvSpPr>
+            <a:spLocks noGrp="1"/>
+          </p:cNvSpPr>
+          <p:nvPr>
+            <p:ph idx="1"/>
+          </p:nvPr>
+        </p:nvSpPr>
+        <p:spPr/>
+        <p:txBody>
+          <a:bodyPr/>
+          <a:lstStyle/>
+          <a:p>
+            <a:pPr lvl="1"/>
+            <a:r>
+              <a:rPr/>
+              <a:t>Review one of these graphs/newspaper articles</a:t>
+            </a:r>
+          </a:p>
+          <a:p>
+            <a:pPr lvl="2"/>
+            <a:r>
+              <a:rPr>
+                <a:hlinkClick r:id="rId3"/>
+              </a:rPr>
+              <a:t>More Strikeouts Than Hits? Welcome to Baseball’s Latest Crisis.</a:t>
+            </a:r>
+          </a:p>
+          <a:p>
+            <a:pPr lvl="2"/>
+            <a:r>
+              <a:rPr>
+                <a:hlinkClick r:id="rId4"/>
+              </a:rPr>
+              <a:t>Record shares of Americans now own smartphones, have home broadband.</a:t>
+            </a:r>
+          </a:p>
+          <a:p>
+            <a:pPr lvl="2"/>
+            <a:r>
+              <a:rPr>
+                <a:hlinkClick r:id="rId5"/>
+              </a:rPr>
+              <a:t>F.D.A. Seeks Restrictions on Teens’ Access to Flavored E-Cigarettes and a Ban on Menthol Cigarettes.</a:t>
+            </a:r>
+          </a:p>
+          <a:p>
+            <a:pPr lvl="1"/>
+            <a:r>
+              <a:rPr/>
+              <a:t>What is the message? Summarize in 25 words or less.</a:t>
+            </a:r>
+          </a:p>
+        </p:txBody>
+      </p:sp>
+    </p:spTree>
+  </p:cSld>
+</p:sld>
+</file>
+
+<file path=ppt/slides/slide9.xml><?xml version="1.0" encoding="utf-8"?>
 <p:sld xmlns:a="http://schemas.openxmlformats.org/drawingml/2006/main" xmlns:r="http://schemas.openxmlformats.org/officeDocument/2006/relationships" xmlns:p="http://schemas.openxmlformats.org/presentationml/2006/main">
   <p:cSld>
     <p:spTree>
@@ -6069,185 +11205,6 @@
             <a:r>
               <a:rPr/>
               <a:t>time</a:t>
-            </a:r>
-          </a:p>
-        </p:txBody>
-      </p:sp>
-    </p:spTree>
-  </p:cSld>
-</p:sld>
-</file>
-
-<file path=ppt/slides/slide9.xml><?xml version="1.0" encoding="utf-8"?>
-<p:sld xmlns:a="http://schemas.openxmlformats.org/drawingml/2006/main" xmlns:r="http://schemas.openxmlformats.org/officeDocument/2006/relationships" xmlns:p="http://schemas.openxmlformats.org/presentationml/2006/main">
-  <p:cSld>
-    <p:spTree>
-      <p:nvGrpSpPr>
-        <p:cNvPr id="1" name=""/>
-        <p:cNvGrpSpPr/>
-        <p:nvPr/>
-      </p:nvGrpSpPr>
-      <p:grpSpPr>
-        <a:xfrm>
-          <a:off x="0" y="0"/>
-          <a:ext cx="0" cy="0"/>
-          <a:chOff x="0" y="0"/>
-          <a:chExt cx="0" cy="0"/>
-        </a:xfrm>
-      </p:grpSpPr>
-      <p:sp>
-        <p:nvSpPr>
-          <p:cNvPr id="2" name="Title 1"/>
-          <p:cNvSpPr>
-            <a:spLocks noGrp="1"/>
-          </p:cNvSpPr>
-          <p:nvPr>
-            <p:ph type="title"/>
-          </p:nvPr>
-        </p:nvSpPr>
-        <p:spPr/>
-        <p:txBody>
-          <a:bodyPr/>
-          <a:lstStyle/>
-          <a:p>
-            <a:pPr lvl="0" marL="0" indent="0">
-              <a:buNone/>
-            </a:pPr>
-            <a:r>
-              <a:rPr/>
-              <a:t>Graphs</a:t>
-            </a:r>
-            <a:r>
-              <a:rPr/>
-              <a:t> </a:t>
-            </a:r>
-            <a:r>
-              <a:rPr/>
-              <a:t>in</a:t>
-            </a:r>
-            <a:r>
-              <a:rPr/>
-              <a:t> </a:t>
-            </a:r>
-            <a:r>
-              <a:rPr/>
-              <a:t>the</a:t>
-            </a:r>
-            <a:r>
-              <a:rPr/>
-              <a:t> </a:t>
-            </a:r>
-            <a:r>
-              <a:rPr/>
-              <a:t>news,</a:t>
-            </a:r>
-            <a:r>
-              <a:rPr/>
-              <a:t> </a:t>
-            </a:r>
-            <a:r>
-              <a:rPr/>
-              <a:t>technology</a:t>
-            </a:r>
-            <a:r>
-              <a:rPr/>
-              <a:t> </a:t>
-            </a:r>
-            <a:r>
-              <a:rPr/>
-              <a:t>adaptation</a:t>
-            </a:r>
-          </a:p>
-        </p:txBody>
-      </p:sp>
-      <p:pic>
-        <p:nvPicPr>
-          <p:cNvPr descr="../images/external/technology-trends.png" id="0" name="Picture 1"/>
-          <p:cNvPicPr>
-            <a:picLocks noGrp="1" noChangeAspect="1"/>
-          </p:cNvPicPr>
-          <p:nvPr/>
-        </p:nvPicPr>
-        <p:blipFill>
-          <a:blip r:embed="rId3"/>
-          <a:stretch>
-            <a:fillRect/>
-          </a:stretch>
-        </p:blipFill>
-        <p:spPr bwMode="auto">
-          <a:xfrm>
-            <a:off x="1320800" y="1600200"/>
-            <a:ext cx="6502400" cy="4013200"/>
-          </a:xfrm>
-          <a:prstGeom prst="rect">
-            <a:avLst/>
-          </a:prstGeom>
-          <a:noFill/>
-          <a:ln w="9525">
-            <a:noFill/>
-            <a:headEnd/>
-            <a:tailEnd/>
-          </a:ln>
-        </p:spPr>
-      </p:pic>
-      <p:sp>
-        <p:nvSpPr>
-          <p:cNvPr id="1" name="TextBox 3"/>
-          <p:cNvSpPr txBox="1"/>
-          <p:nvPr/>
-        </p:nvSpPr>
-        <p:spPr>
-          <a:xfrm>
-            <a:off x="457200" y="5613400"/>
-            <a:ext cx="8229600" cy="508000"/>
-          </a:xfrm>
-          <a:prstGeom prst="rect">
-            <a:avLst/>
-          </a:prstGeom>
-          <a:noFill/>
-        </p:spPr>
-        <p:txBody>
-          <a:bodyPr/>
-          <a:lstStyle/>
-          <a:p>
-            <a:pPr lvl="0" marL="0" indent="0" algn="ctr">
-              <a:buNone/>
-            </a:pPr>
-            <a:r>
-              <a:rPr/>
-              <a:t>Line</a:t>
-            </a:r>
-            <a:r>
-              <a:rPr/>
-              <a:t> </a:t>
-            </a:r>
-            <a:r>
-              <a:rPr/>
-              <a:t>graph</a:t>
-            </a:r>
-            <a:r>
-              <a:rPr/>
-              <a:t> </a:t>
-            </a:r>
-            <a:r>
-              <a:rPr/>
-              <a:t>of</a:t>
-            </a:r>
-            <a:r>
-              <a:rPr/>
-              <a:t> </a:t>
-            </a:r>
-            <a:r>
-              <a:rPr/>
-              <a:t>technology</a:t>
-            </a:r>
-            <a:r>
-              <a:rPr/>
-              <a:t> </a:t>
-            </a:r>
-            <a:r>
-              <a:rPr/>
-              <a:t>trends</a:t>
             </a:r>
           </a:p>
         </p:txBody>
